--- a/Presentation.pptx
+++ b/Presentation.pptx
@@ -8,16 +8,17 @@
     <p:sldId id="267" r:id="rId2"/>
     <p:sldId id="256" r:id="rId3"/>
     <p:sldId id="258" r:id="rId4"/>
-    <p:sldId id="260" r:id="rId5"/>
-    <p:sldId id="257" r:id="rId6"/>
-    <p:sldId id="259" r:id="rId7"/>
-    <p:sldId id="261" r:id="rId8"/>
-    <p:sldId id="262" r:id="rId9"/>
-    <p:sldId id="265" r:id="rId10"/>
-    <p:sldId id="268" r:id="rId11"/>
-    <p:sldId id="264" r:id="rId12"/>
+    <p:sldId id="269" r:id="rId5"/>
+    <p:sldId id="260" r:id="rId6"/>
+    <p:sldId id="257" r:id="rId7"/>
+    <p:sldId id="259" r:id="rId8"/>
+    <p:sldId id="261" r:id="rId9"/>
+    <p:sldId id="262" r:id="rId10"/>
+    <p:sldId id="265" r:id="rId11"/>
+    <p:sldId id="268" r:id="rId12"/>
     <p:sldId id="263" r:id="rId13"/>
-    <p:sldId id="266" r:id="rId14"/>
+    <p:sldId id="264" r:id="rId14"/>
+    <p:sldId id="266" r:id="rId15"/>
   </p:sldIdLst>
   <p:sldSz cx="12192000" cy="6858000"/>
   <p:notesSz cx="6858000" cy="9144000"/>
@@ -129,18 +130,18 @@
   <pc:docChgLst>
     <pc:chgData name="Maher Alqarra" userId="81703c0c110a5f03" providerId="LiveId" clId="{4218F5BA-EA75-4D82-91C3-455DDEAB21B2}"/>
     <pc:docChg chg="undo custSel addSld delSld modSld sldOrd">
-      <pc:chgData name="Maher Alqarra" userId="81703c0c110a5f03" providerId="LiveId" clId="{4218F5BA-EA75-4D82-91C3-455DDEAB21B2}" dt="2024-04-24T00:03:46.218" v="652" actId="14100"/>
+      <pc:chgData name="Maher Alqarra" userId="81703c0c110a5f03" providerId="LiveId" clId="{4218F5BA-EA75-4D82-91C3-455DDEAB21B2}" dt="2024-04-24T13:32:05.459" v="757"/>
       <pc:docMkLst>
         <pc:docMk/>
       </pc:docMkLst>
       <pc:sldChg chg="addSp delSp modSp mod">
-        <pc:chgData name="Maher Alqarra" userId="81703c0c110a5f03" providerId="LiveId" clId="{4218F5BA-EA75-4D82-91C3-455DDEAB21B2}" dt="2024-04-23T23:53:14.042" v="567" actId="14100"/>
+        <pc:chgData name="Maher Alqarra" userId="81703c0c110a5f03" providerId="LiveId" clId="{4218F5BA-EA75-4D82-91C3-455DDEAB21B2}" dt="2024-04-24T13:21:21.603" v="689" actId="20577"/>
         <pc:sldMkLst>
           <pc:docMk/>
           <pc:sldMk cId="742347494" sldId="256"/>
         </pc:sldMkLst>
         <pc:spChg chg="mod">
-          <ac:chgData name="Maher Alqarra" userId="81703c0c110a5f03" providerId="LiveId" clId="{4218F5BA-EA75-4D82-91C3-455DDEAB21B2}" dt="2024-04-23T23:50:06.101" v="545" actId="207"/>
+          <ac:chgData name="Maher Alqarra" userId="81703c0c110a5f03" providerId="LiveId" clId="{4218F5BA-EA75-4D82-91C3-455DDEAB21B2}" dt="2024-04-24T13:21:21.603" v="689" actId="20577"/>
           <ac:spMkLst>
             <pc:docMk/>
             <pc:sldMk cId="742347494" sldId="256"/>
@@ -236,21 +237,21 @@
         </pc:picChg>
       </pc:sldChg>
       <pc:sldChg chg="addSp delSp modSp mod">
-        <pc:chgData name="Maher Alqarra" userId="81703c0c110a5f03" providerId="LiveId" clId="{4218F5BA-EA75-4D82-91C3-455DDEAB21B2}" dt="2024-04-23T23:53:29.755" v="570" actId="1076"/>
+        <pc:chgData name="Maher Alqarra" userId="81703c0c110a5f03" providerId="LiveId" clId="{4218F5BA-EA75-4D82-91C3-455DDEAB21B2}" dt="2024-04-24T13:29:59.452" v="746" actId="20577"/>
         <pc:sldMkLst>
           <pc:docMk/>
           <pc:sldMk cId="2502954960" sldId="258"/>
         </pc:sldMkLst>
         <pc:spChg chg="mod">
-          <ac:chgData name="Maher Alqarra" userId="81703c0c110a5f03" providerId="LiveId" clId="{4218F5BA-EA75-4D82-91C3-455DDEAB21B2}" dt="2024-04-23T23:53:29.755" v="570" actId="1076"/>
+          <ac:chgData name="Maher Alqarra" userId="81703c0c110a5f03" providerId="LiveId" clId="{4218F5BA-EA75-4D82-91C3-455DDEAB21B2}" dt="2024-04-24T13:29:22.862" v="743" actId="404"/>
           <ac:spMkLst>
             <pc:docMk/>
             <pc:sldMk cId="2502954960" sldId="258"/>
             <ac:spMk id="2" creationId="{4B6F00F2-9A96-3E18-A886-B773D2F6DE7C}"/>
           </ac:spMkLst>
         </pc:spChg>
-        <pc:spChg chg="add mod">
-          <ac:chgData name="Maher Alqarra" userId="81703c0c110a5f03" providerId="LiveId" clId="{4218F5BA-EA75-4D82-91C3-455DDEAB21B2}" dt="2024-04-23T22:36:27.909" v="147" actId="1076"/>
+        <pc:spChg chg="add del mod">
+          <ac:chgData name="Maher Alqarra" userId="81703c0c110a5f03" providerId="LiveId" clId="{4218F5BA-EA75-4D82-91C3-455DDEAB21B2}" dt="2024-04-24T13:20:38.013" v="686" actId="21"/>
           <ac:spMkLst>
             <pc:docMk/>
             <pc:sldMk cId="2502954960" sldId="258"/>
@@ -265,8 +266,40 @@
             <ac:spMk id="6" creationId="{6E43CA68-67B1-B812-21A0-D60F62DC75C6}"/>
           </ac:spMkLst>
         </pc:spChg>
-        <pc:picChg chg="add mod">
-          <ac:chgData name="Maher Alqarra" userId="81703c0c110a5f03" providerId="LiveId" clId="{4218F5BA-EA75-4D82-91C3-455DDEAB21B2}" dt="2024-04-23T22:36:16.571" v="144" actId="1076"/>
+        <pc:spChg chg="add del mod">
+          <ac:chgData name="Maher Alqarra" userId="81703c0c110a5f03" providerId="LiveId" clId="{4218F5BA-EA75-4D82-91C3-455DDEAB21B2}" dt="2024-04-24T13:24:41.287" v="729" actId="478"/>
+          <ac:spMkLst>
+            <pc:docMk/>
+            <pc:sldMk cId="2502954960" sldId="258"/>
+            <ac:spMk id="7" creationId="{E17E9760-3059-96D6-8F55-66743CAC393A}"/>
+          </ac:spMkLst>
+        </pc:spChg>
+        <pc:spChg chg="add del mod">
+          <ac:chgData name="Maher Alqarra" userId="81703c0c110a5f03" providerId="LiveId" clId="{4218F5BA-EA75-4D82-91C3-455DDEAB21B2}" dt="2024-04-24T13:24:30.471" v="726" actId="478"/>
+          <ac:spMkLst>
+            <pc:docMk/>
+            <pc:sldMk cId="2502954960" sldId="258"/>
+            <ac:spMk id="8" creationId="{AC45B1AA-D21B-567E-F2C7-5BD228E2F0B6}"/>
+          </ac:spMkLst>
+        </pc:spChg>
+        <pc:spChg chg="add mod">
+          <ac:chgData name="Maher Alqarra" userId="81703c0c110a5f03" providerId="LiveId" clId="{4218F5BA-EA75-4D82-91C3-455DDEAB21B2}" dt="2024-04-24T13:29:59.452" v="746" actId="20577"/>
+          <ac:spMkLst>
+            <pc:docMk/>
+            <pc:sldMk cId="2502954960" sldId="258"/>
+            <ac:spMk id="9" creationId="{048DDD47-55DF-9FDF-6F6F-718D4E99529E}"/>
+          </ac:spMkLst>
+        </pc:spChg>
+        <pc:picChg chg="mod">
+          <ac:chgData name="Maher Alqarra" userId="81703c0c110a5f03" providerId="LiveId" clId="{4218F5BA-EA75-4D82-91C3-455DDEAB21B2}" dt="2024-04-24T13:28:42.708" v="735" actId="1076"/>
+          <ac:picMkLst>
+            <pc:docMk/>
+            <pc:sldMk cId="2502954960" sldId="258"/>
+            <ac:picMk id="3" creationId="{C5AFC1D6-B4DA-3798-8D1D-7442CD7F315A}"/>
+          </ac:picMkLst>
+        </pc:picChg>
+        <pc:picChg chg="add del mod">
+          <ac:chgData name="Maher Alqarra" userId="81703c0c110a5f03" providerId="LiveId" clId="{4218F5BA-EA75-4D82-91C3-455DDEAB21B2}" dt="2024-04-24T13:20:11.669" v="680" actId="21"/>
           <ac:picMkLst>
             <pc:docMk/>
             <pc:sldMk cId="2502954960" sldId="258"/>
@@ -279,6 +312,14 @@
             <pc:docMk/>
             <pc:sldMk cId="2502954960" sldId="258"/>
             <ac:picMk id="6" creationId="{FA22D336-1461-2DA7-0A08-88245F2145AB}"/>
+          </ac:picMkLst>
+        </pc:picChg>
+        <pc:picChg chg="add mod">
+          <ac:chgData name="Maher Alqarra" userId="81703c0c110a5f03" providerId="LiveId" clId="{4218F5BA-EA75-4D82-91C3-455DDEAB21B2}" dt="2024-04-24T13:24:04.168" v="722" actId="1076"/>
+          <ac:picMkLst>
+            <pc:docMk/>
+            <pc:sldMk cId="2502954960" sldId="258"/>
+            <ac:picMk id="1026" creationId="{0C5E7BE5-D0C7-1F3E-A60D-11ED2A5E7787}"/>
           </ac:picMkLst>
         </pc:picChg>
       </pc:sldChg>
@@ -314,13 +355,13 @@
         </pc:picChg>
       </pc:sldChg>
       <pc:sldChg chg="addSp delSp modSp mod ord">
-        <pc:chgData name="Maher Alqarra" userId="81703c0c110a5f03" providerId="LiveId" clId="{4218F5BA-EA75-4D82-91C3-455DDEAB21B2}" dt="2024-04-23T23:53:39.373" v="573" actId="1076"/>
+        <pc:chgData name="Maher Alqarra" userId="81703c0c110a5f03" providerId="LiveId" clId="{4218F5BA-EA75-4D82-91C3-455DDEAB21B2}" dt="2024-04-24T13:30:54.263" v="753" actId="1076"/>
         <pc:sldMkLst>
           <pc:docMk/>
           <pc:sldMk cId="4091885840" sldId="260"/>
         </pc:sldMkLst>
         <pc:spChg chg="mod">
-          <ac:chgData name="Maher Alqarra" userId="81703c0c110a5f03" providerId="LiveId" clId="{4218F5BA-EA75-4D82-91C3-455DDEAB21B2}" dt="2024-04-23T23:53:36.265" v="571" actId="1076"/>
+          <ac:chgData name="Maher Alqarra" userId="81703c0c110a5f03" providerId="LiveId" clId="{4218F5BA-EA75-4D82-91C3-455DDEAB21B2}" dt="2024-04-24T13:30:54.263" v="753" actId="1076"/>
           <ac:spMkLst>
             <pc:docMk/>
             <pc:sldMk cId="4091885840" sldId="260"/>
@@ -345,7 +386,7 @@
         </pc:picChg>
       </pc:sldChg>
       <pc:sldChg chg="addSp delSp modSp mod">
-        <pc:chgData name="Maher Alqarra" userId="81703c0c110a5f03" providerId="LiveId" clId="{4218F5BA-EA75-4D82-91C3-455DDEAB21B2}" dt="2024-04-23T23:54:02.188" v="578"/>
+        <pc:chgData name="Maher Alqarra" userId="81703c0c110a5f03" providerId="LiveId" clId="{4218F5BA-EA75-4D82-91C3-455DDEAB21B2}" dt="2024-04-24T13:31:22.496" v="755" actId="1076"/>
         <pc:sldMkLst>
           <pc:docMk/>
           <pc:sldMk cId="2140889961" sldId="261"/>
@@ -375,7 +416,7 @@
           </ac:picMkLst>
         </pc:picChg>
         <pc:picChg chg="add mod">
-          <ac:chgData name="Maher Alqarra" userId="81703c0c110a5f03" providerId="LiveId" clId="{4218F5BA-EA75-4D82-91C3-455DDEAB21B2}" dt="2024-04-23T23:07:40.171" v="342" actId="14100"/>
+          <ac:chgData name="Maher Alqarra" userId="81703c0c110a5f03" providerId="LiveId" clId="{4218F5BA-EA75-4D82-91C3-455DDEAB21B2}" dt="2024-04-24T13:31:22.496" v="755" actId="1076"/>
           <ac:picMkLst>
             <pc:docMk/>
             <pc:sldMk cId="2140889961" sldId="261"/>
@@ -383,7 +424,7 @@
           </ac:picMkLst>
         </pc:picChg>
         <pc:picChg chg="add mod">
-          <ac:chgData name="Maher Alqarra" userId="81703c0c110a5f03" providerId="LiveId" clId="{4218F5BA-EA75-4D82-91C3-455DDEAB21B2}" dt="2024-04-23T23:07:43.387" v="343" actId="1076"/>
+          <ac:chgData name="Maher Alqarra" userId="81703c0c110a5f03" providerId="LiveId" clId="{4218F5BA-EA75-4D82-91C3-455DDEAB21B2}" dt="2024-04-24T13:31:17.213" v="754" actId="14100"/>
           <ac:picMkLst>
             <pc:docMk/>
             <pc:sldMk cId="2140889961" sldId="261"/>
@@ -446,8 +487,8 @@
           </ac:picMkLst>
         </pc:picChg>
       </pc:sldChg>
-      <pc:sldChg chg="addSp modSp mod">
-        <pc:chgData name="Maher Alqarra" userId="81703c0c110a5f03" providerId="LiveId" clId="{4218F5BA-EA75-4D82-91C3-455DDEAB21B2}" dt="2024-04-23T23:54:23.852" v="584" actId="1076"/>
+      <pc:sldChg chg="addSp modSp mod ord">
+        <pc:chgData name="Maher Alqarra" userId="81703c0c110a5f03" providerId="LiveId" clId="{4218F5BA-EA75-4D82-91C3-455DDEAB21B2}" dt="2024-04-24T13:32:05.459" v="757"/>
         <pc:sldMkLst>
           <pc:docMk/>
           <pc:sldMk cId="2346679768" sldId="263"/>
@@ -702,6 +743,37 @@
           <pc:docMk/>
           <pc:sldMk cId="2134466518" sldId="269"/>
         </pc:sldMkLst>
+      </pc:sldChg>
+      <pc:sldChg chg="addSp modSp add mod ord">
+        <pc:chgData name="Maher Alqarra" userId="81703c0c110a5f03" providerId="LiveId" clId="{4218F5BA-EA75-4D82-91C3-455DDEAB21B2}" dt="2024-04-24T13:30:38.130" v="751" actId="404"/>
+        <pc:sldMkLst>
+          <pc:docMk/>
+          <pc:sldMk cId="2217762016" sldId="269"/>
+        </pc:sldMkLst>
+        <pc:spChg chg="mod">
+          <ac:chgData name="Maher Alqarra" userId="81703c0c110a5f03" providerId="LiveId" clId="{4218F5BA-EA75-4D82-91C3-455DDEAB21B2}" dt="2024-04-24T13:30:38.130" v="751" actId="404"/>
+          <ac:spMkLst>
+            <pc:docMk/>
+            <pc:sldMk cId="2217762016" sldId="269"/>
+            <ac:spMk id="2" creationId="{9352414A-F6BE-790E-856E-38F1690CF0A0}"/>
+          </ac:spMkLst>
+        </pc:spChg>
+        <pc:spChg chg="add mod">
+          <ac:chgData name="Maher Alqarra" userId="81703c0c110a5f03" providerId="LiveId" clId="{4218F5BA-EA75-4D82-91C3-455DDEAB21B2}" dt="2024-04-24T13:20:45.498" v="688" actId="1076"/>
+          <ac:spMkLst>
+            <pc:docMk/>
+            <pc:sldMk cId="2217762016" sldId="269"/>
+            <ac:spMk id="6" creationId="{778EC77D-2230-1B40-B003-57F601D64CDE}"/>
+          </ac:spMkLst>
+        </pc:spChg>
+        <pc:picChg chg="add mod">
+          <ac:chgData name="Maher Alqarra" userId="81703c0c110a5f03" providerId="LiveId" clId="{4218F5BA-EA75-4D82-91C3-455DDEAB21B2}" dt="2024-04-24T13:30:34.138" v="750" actId="14100"/>
+          <ac:picMkLst>
+            <pc:docMk/>
+            <pc:sldMk cId="2217762016" sldId="269"/>
+            <ac:picMk id="5" creationId="{BC4A8EBF-FBCE-4CD0-174F-9D412600E332}"/>
+          </ac:picMkLst>
+        </pc:picChg>
       </pc:sldChg>
     </pc:docChg>
   </pc:docChgLst>
@@ -1399,7 +1471,7 @@
           <a:p>
             <a:fld id="{73CF6219-E6C4-487B-954F-836E2430B630}" type="datetimeFigureOut">
               <a:rPr lang="en-US" smtClean="0"/>
-              <a:t>4/23/2024</a:t>
+              <a:t>4/24/2024</a:t>
             </a:fld>
             <a:endParaRPr lang="en-US"/>
           </a:p>
@@ -1597,7 +1669,7 @@
           <a:p>
             <a:fld id="{73CF6219-E6C4-487B-954F-836E2430B630}" type="datetimeFigureOut">
               <a:rPr lang="en-US" smtClean="0"/>
-              <a:t>4/23/2024</a:t>
+              <a:t>4/24/2024</a:t>
             </a:fld>
             <a:endParaRPr lang="en-US"/>
           </a:p>
@@ -1805,7 +1877,7 @@
           <a:p>
             <a:fld id="{73CF6219-E6C4-487B-954F-836E2430B630}" type="datetimeFigureOut">
               <a:rPr lang="en-US" smtClean="0"/>
-              <a:t>4/23/2024</a:t>
+              <a:t>4/24/2024</a:t>
             </a:fld>
             <a:endParaRPr lang="en-US"/>
           </a:p>
@@ -2003,7 +2075,7 @@
           <a:p>
             <a:fld id="{73CF6219-E6C4-487B-954F-836E2430B630}" type="datetimeFigureOut">
               <a:rPr lang="en-US" smtClean="0"/>
-              <a:t>4/23/2024</a:t>
+              <a:t>4/24/2024</a:t>
             </a:fld>
             <a:endParaRPr lang="en-US"/>
           </a:p>
@@ -2278,7 +2350,7 @@
           <a:p>
             <a:fld id="{73CF6219-E6C4-487B-954F-836E2430B630}" type="datetimeFigureOut">
               <a:rPr lang="en-US" smtClean="0"/>
-              <a:t>4/23/2024</a:t>
+              <a:t>4/24/2024</a:t>
             </a:fld>
             <a:endParaRPr lang="en-US"/>
           </a:p>
@@ -2543,7 +2615,7 @@
           <a:p>
             <a:fld id="{73CF6219-E6C4-487B-954F-836E2430B630}" type="datetimeFigureOut">
               <a:rPr lang="en-US" smtClean="0"/>
-              <a:t>4/23/2024</a:t>
+              <a:t>4/24/2024</a:t>
             </a:fld>
             <a:endParaRPr lang="en-US"/>
           </a:p>
@@ -2955,7 +3027,7 @@
           <a:p>
             <a:fld id="{73CF6219-E6C4-487B-954F-836E2430B630}" type="datetimeFigureOut">
               <a:rPr lang="en-US" smtClean="0"/>
-              <a:t>4/23/2024</a:t>
+              <a:t>4/24/2024</a:t>
             </a:fld>
             <a:endParaRPr lang="en-US"/>
           </a:p>
@@ -3096,7 +3168,7 @@
           <a:p>
             <a:fld id="{73CF6219-E6C4-487B-954F-836E2430B630}" type="datetimeFigureOut">
               <a:rPr lang="en-US" smtClean="0"/>
-              <a:t>4/23/2024</a:t>
+              <a:t>4/24/2024</a:t>
             </a:fld>
             <a:endParaRPr lang="en-US"/>
           </a:p>
@@ -3209,7 +3281,7 @@
           <a:p>
             <a:fld id="{73CF6219-E6C4-487B-954F-836E2430B630}" type="datetimeFigureOut">
               <a:rPr lang="en-US" smtClean="0"/>
-              <a:t>4/23/2024</a:t>
+              <a:t>4/24/2024</a:t>
             </a:fld>
             <a:endParaRPr lang="en-US"/>
           </a:p>
@@ -3520,7 +3592,7 @@
           <a:p>
             <a:fld id="{73CF6219-E6C4-487B-954F-836E2430B630}" type="datetimeFigureOut">
               <a:rPr lang="en-US" smtClean="0"/>
-              <a:t>4/23/2024</a:t>
+              <a:t>4/24/2024</a:t>
             </a:fld>
             <a:endParaRPr lang="en-US"/>
           </a:p>
@@ -3808,7 +3880,7 @@
           <a:p>
             <a:fld id="{73CF6219-E6C4-487B-954F-836E2430B630}" type="datetimeFigureOut">
               <a:rPr lang="en-US" smtClean="0"/>
-              <a:t>4/23/2024</a:t>
+              <a:t>4/24/2024</a:t>
             </a:fld>
             <a:endParaRPr lang="en-US"/>
           </a:p>
@@ -4049,7 +4121,7 @@
           <a:p>
             <a:fld id="{73CF6219-E6C4-487B-954F-836E2430B630}" type="datetimeFigureOut">
               <a:rPr lang="en-US" smtClean="0"/>
-              <a:t>4/23/2024</a:t>
+              <a:t>4/24/2024</a:t>
             </a:fld>
             <a:endParaRPr lang="en-US"/>
           </a:p>
@@ -5187,6 +5259,341 @@
         </p:blipFill>
         <p:spPr>
           <a:xfrm>
+            <a:off x="0" y="0"/>
+            <a:ext cx="12192000" cy="6940296"/>
+          </a:xfrm>
+          <a:prstGeom prst="rect">
+            <a:avLst/>
+          </a:prstGeom>
+        </p:spPr>
+      </p:pic>
+      <p:sp>
+        <p:nvSpPr>
+          <p:cNvPr id="5" name="TextBox 4">
+            <a:extLst>
+              <a:ext uri="{FF2B5EF4-FFF2-40B4-BE49-F238E27FC236}">
+                <a16:creationId xmlns:a16="http://schemas.microsoft.com/office/drawing/2014/main" id="{A49BE4D7-3BFA-EC84-AC1F-598D0951867A}"/>
+              </a:ext>
+            </a:extLst>
+          </p:cNvPr>
+          <p:cNvSpPr txBox="1"/>
+          <p:nvPr/>
+        </p:nvSpPr>
+        <p:spPr>
+          <a:xfrm>
+            <a:off x="500743" y="1054821"/>
+            <a:ext cx="6156960" cy="1015663"/>
+          </a:xfrm>
+          <a:prstGeom prst="rect">
+            <a:avLst/>
+          </a:prstGeom>
+          <a:noFill/>
+        </p:spPr>
+        <p:txBody>
+          <a:bodyPr wrap="square">
+            <a:spAutoFit/>
+          </a:bodyPr>
+          <a:lstStyle/>
+          <a:p>
+            <a:r>
+              <a:rPr lang="en-US" sz="2400" b="1" i="0" dirty="0">
+                <a:solidFill>
+                  <a:schemeClr val="accent2"/>
+                </a:solidFill>
+                <a:effectLst/>
+                <a:latin typeface="Söhne"/>
+              </a:rPr>
+              <a:t>The Results:</a:t>
+            </a:r>
+          </a:p>
+          <a:p>
+            <a:endParaRPr lang="en-US" sz="1800" b="1" i="0" dirty="0">
+              <a:solidFill>
+                <a:schemeClr val="accent2">
+                  <a:lumMod val="60000"/>
+                  <a:lumOff val="40000"/>
+                </a:schemeClr>
+              </a:solidFill>
+              <a:effectLst/>
+              <a:latin typeface="Söhne"/>
+            </a:endParaRPr>
+          </a:p>
+          <a:p>
+            <a:pPr marL="742950" lvl="1" indent="-285750">
+              <a:buFont typeface="Wingdings" panose="05000000000000000000" pitchFamily="2" charset="2"/>
+              <a:buChar char="Ø"/>
+            </a:pPr>
+            <a:r>
+              <a:rPr lang="en-US" i="0" dirty="0">
+                <a:solidFill>
+                  <a:schemeClr val="accent4">
+                    <a:lumMod val="40000"/>
+                    <a:lumOff val="60000"/>
+                  </a:schemeClr>
+                </a:solidFill>
+                <a:effectLst/>
+                <a:latin typeface="Söhne"/>
+              </a:rPr>
+              <a:t>Linear Regression (LR) Results:</a:t>
+            </a:r>
+          </a:p>
+        </p:txBody>
+      </p:sp>
+      <p:pic>
+        <p:nvPicPr>
+          <p:cNvPr id="8" name="Picture 7">
+            <a:extLst>
+              <a:ext uri="{FF2B5EF4-FFF2-40B4-BE49-F238E27FC236}">
+                <a16:creationId xmlns:a16="http://schemas.microsoft.com/office/drawing/2014/main" id="{5B70CF32-8E9C-7B4E-8B85-6A3CDAEA678F}"/>
+              </a:ext>
+            </a:extLst>
+          </p:cNvPr>
+          <p:cNvPicPr>
+            <a:picLocks noChangeAspect="1"/>
+          </p:cNvPicPr>
+          <p:nvPr/>
+        </p:nvPicPr>
+        <p:blipFill>
+          <a:blip r:embed="rId3">
+            <a:extLst>
+              <a:ext uri="{28A0092B-C50C-407E-A947-70E740481C1C}">
+                <a14:useLocalDpi xmlns:a14="http://schemas.microsoft.com/office/drawing/2010/main" val="0"/>
+              </a:ext>
+            </a:extLst>
+          </a:blip>
+          <a:stretch>
+            <a:fillRect/>
+          </a:stretch>
+        </p:blipFill>
+        <p:spPr>
+          <a:xfrm>
+            <a:off x="394491" y="2301230"/>
+            <a:ext cx="3715955" cy="3768639"/>
+          </a:xfrm>
+          <a:prstGeom prst="roundRect">
+            <a:avLst>
+              <a:gd name="adj" fmla="val 8594"/>
+            </a:avLst>
+          </a:prstGeom>
+          <a:solidFill>
+            <a:srgbClr val="FFFFFF">
+              <a:shade val="85000"/>
+            </a:srgbClr>
+          </a:solidFill>
+          <a:ln>
+            <a:noFill/>
+          </a:ln>
+          <a:effectLst>
+            <a:reflection blurRad="12700" stA="38000" endPos="28000" dist="5000" dir="5400000" sy="-100000" algn="bl" rotWithShape="0"/>
+          </a:effectLst>
+        </p:spPr>
+      </p:pic>
+      <p:pic>
+        <p:nvPicPr>
+          <p:cNvPr id="11" name="Picture 10">
+            <a:extLst>
+              <a:ext uri="{FF2B5EF4-FFF2-40B4-BE49-F238E27FC236}">
+                <a16:creationId xmlns:a16="http://schemas.microsoft.com/office/drawing/2014/main" id="{0C333EF3-7CF8-39C3-ADCA-828B783BB855}"/>
+              </a:ext>
+            </a:extLst>
+          </p:cNvPr>
+          <p:cNvPicPr>
+            <a:picLocks noChangeAspect="1"/>
+          </p:cNvPicPr>
+          <p:nvPr/>
+        </p:nvPicPr>
+        <p:blipFill>
+          <a:blip r:embed="rId4">
+            <a:extLst>
+              <a:ext uri="{28A0092B-C50C-407E-A947-70E740481C1C}">
+                <a14:useLocalDpi xmlns:a14="http://schemas.microsoft.com/office/drawing/2010/main" val="0"/>
+              </a:ext>
+            </a:extLst>
+          </a:blip>
+          <a:stretch>
+            <a:fillRect/>
+          </a:stretch>
+        </p:blipFill>
+        <p:spPr>
+          <a:xfrm>
+            <a:off x="4371641" y="2301229"/>
+            <a:ext cx="3800426" cy="3768639"/>
+          </a:xfrm>
+          <a:prstGeom prst="roundRect">
+            <a:avLst>
+              <a:gd name="adj" fmla="val 8594"/>
+            </a:avLst>
+          </a:prstGeom>
+          <a:solidFill>
+            <a:srgbClr val="FFFFFF">
+              <a:shade val="85000"/>
+            </a:srgbClr>
+          </a:solidFill>
+          <a:ln>
+            <a:noFill/>
+          </a:ln>
+          <a:effectLst>
+            <a:reflection blurRad="12700" stA="38000" endPos="28000" dist="5000" dir="5400000" sy="-100000" algn="bl" rotWithShape="0"/>
+          </a:effectLst>
+        </p:spPr>
+      </p:pic>
+      <p:pic>
+        <p:nvPicPr>
+          <p:cNvPr id="13" name="Picture 12">
+            <a:extLst>
+              <a:ext uri="{FF2B5EF4-FFF2-40B4-BE49-F238E27FC236}">
+                <a16:creationId xmlns:a16="http://schemas.microsoft.com/office/drawing/2014/main" id="{2AD9BB0E-338D-E441-7C69-060D7ED89D15}"/>
+              </a:ext>
+            </a:extLst>
+          </p:cNvPr>
+          <p:cNvPicPr>
+            <a:picLocks noChangeAspect="1"/>
+          </p:cNvPicPr>
+          <p:nvPr/>
+        </p:nvPicPr>
+        <p:blipFill>
+          <a:blip r:embed="rId5">
+            <a:extLst>
+              <a:ext uri="{28A0092B-C50C-407E-A947-70E740481C1C}">
+                <a14:useLocalDpi xmlns:a14="http://schemas.microsoft.com/office/drawing/2010/main" val="0"/>
+              </a:ext>
+            </a:extLst>
+          </a:blip>
+          <a:stretch>
+            <a:fillRect/>
+          </a:stretch>
+        </p:blipFill>
+        <p:spPr>
+          <a:xfrm>
+            <a:off x="8433263" y="2301229"/>
+            <a:ext cx="3492796" cy="3768639"/>
+          </a:xfrm>
+          <a:prstGeom prst="roundRect">
+            <a:avLst>
+              <a:gd name="adj" fmla="val 8594"/>
+            </a:avLst>
+          </a:prstGeom>
+          <a:solidFill>
+            <a:srgbClr val="FFFFFF">
+              <a:shade val="85000"/>
+            </a:srgbClr>
+          </a:solidFill>
+          <a:ln>
+            <a:noFill/>
+          </a:ln>
+          <a:effectLst>
+            <a:reflection blurRad="12700" stA="38000" endPos="28000" dist="5000" dir="5400000" sy="-100000" algn="bl" rotWithShape="0"/>
+          </a:effectLst>
+        </p:spPr>
+      </p:pic>
+      <p:sp>
+        <p:nvSpPr>
+          <p:cNvPr id="4" name="TextBox 3">
+            <a:extLst>
+              <a:ext uri="{FF2B5EF4-FFF2-40B4-BE49-F238E27FC236}">
+                <a16:creationId xmlns:a16="http://schemas.microsoft.com/office/drawing/2014/main" id="{B8CAA9DC-58EF-8343-BBBB-273CFC273D43}"/>
+              </a:ext>
+            </a:extLst>
+          </p:cNvPr>
+          <p:cNvSpPr txBox="1"/>
+          <p:nvPr/>
+        </p:nvSpPr>
+        <p:spPr>
+          <a:xfrm>
+            <a:off x="3837432" y="188849"/>
+            <a:ext cx="4593336" cy="400110"/>
+          </a:xfrm>
+          <a:prstGeom prst="rect">
+            <a:avLst/>
+          </a:prstGeom>
+          <a:noFill/>
+        </p:spPr>
+        <p:txBody>
+          <a:bodyPr wrap="square" rtlCol="0">
+            <a:spAutoFit/>
+          </a:bodyPr>
+          <a:lstStyle/>
+          <a:p>
+            <a:r>
+              <a:rPr lang="en-US" sz="2000" b="1" dirty="0">
+                <a:solidFill>
+                  <a:schemeClr val="accent2"/>
+                </a:solidFill>
+              </a:rPr>
+              <a:t>Predictive Modeling for Financial Failure</a:t>
+            </a:r>
+            <a:endParaRPr lang="en-US" sz="2000" dirty="0">
+              <a:solidFill>
+                <a:schemeClr val="accent2"/>
+              </a:solidFill>
+            </a:endParaRPr>
+          </a:p>
+        </p:txBody>
+      </p:sp>
+    </p:spTree>
+    <p:extLst>
+      <p:ext uri="{BB962C8B-B14F-4D97-AF65-F5344CB8AC3E}">
+        <p14:creationId xmlns:p14="http://schemas.microsoft.com/office/powerpoint/2010/main" val="1496602039"/>
+      </p:ext>
+    </p:extLst>
+  </p:cSld>
+  <p:clrMapOvr>
+    <a:masterClrMapping/>
+  </p:clrMapOvr>
+</p:sld>
+</file>
+
+<file path=ppt/slides/slide11.xml><?xml version="1.0" encoding="utf-8"?>
+<p:sld xmlns:a="http://schemas.openxmlformats.org/drawingml/2006/main" xmlns:r="http://schemas.openxmlformats.org/officeDocument/2006/relationships" xmlns:p="http://schemas.openxmlformats.org/presentationml/2006/main">
+  <p:cSld>
+    <p:spTree>
+      <p:nvGrpSpPr>
+        <p:cNvPr id="1" name="">
+          <a:extLst>
+            <a:ext uri="{FF2B5EF4-FFF2-40B4-BE49-F238E27FC236}">
+              <a16:creationId xmlns:a16="http://schemas.microsoft.com/office/drawing/2014/main" id="{32F6390F-5733-D935-BF88-959B9A3E7362}"/>
+            </a:ext>
+          </a:extLst>
+        </p:cNvPr>
+        <p:cNvGrpSpPr/>
+        <p:nvPr/>
+      </p:nvGrpSpPr>
+      <p:grpSpPr>
+        <a:xfrm>
+          <a:off x="0" y="0"/>
+          <a:ext cx="0" cy="0"/>
+          <a:chOff x="0" y="0"/>
+          <a:chExt cx="0" cy="0"/>
+        </a:xfrm>
+      </p:grpSpPr>
+      <p:pic>
+        <p:nvPicPr>
+          <p:cNvPr id="3" name="Picture 2">
+            <a:extLst>
+              <a:ext uri="{FF2B5EF4-FFF2-40B4-BE49-F238E27FC236}">
+                <a16:creationId xmlns:a16="http://schemas.microsoft.com/office/drawing/2014/main" id="{CD4C8334-E9A0-3F42-7434-6F344598B053}"/>
+              </a:ext>
+            </a:extLst>
+          </p:cNvPr>
+          <p:cNvPicPr>
+            <a:picLocks noChangeAspect="1"/>
+          </p:cNvPicPr>
+          <p:nvPr/>
+        </p:nvPicPr>
+        <p:blipFill>
+          <a:blip r:embed="rId2">
+            <a:extLst>
+              <a:ext uri="{28A0092B-C50C-407E-A947-70E740481C1C}">
+                <a14:useLocalDpi xmlns:a14="http://schemas.microsoft.com/office/drawing/2010/main" val="0"/>
+              </a:ext>
+            </a:extLst>
+          </a:blip>
+          <a:stretch>
+            <a:fillRect/>
+          </a:stretch>
+        </p:blipFill>
+        <p:spPr>
+          <a:xfrm>
             <a:off x="0" y="-9144"/>
             <a:ext cx="12192000" cy="6940296"/>
           </a:xfrm>
@@ -5427,351 +5834,6 @@
 </p:sld>
 </file>
 
-<file path=ppt/slides/slide11.xml><?xml version="1.0" encoding="utf-8"?>
-<p:sld xmlns:a="http://schemas.openxmlformats.org/drawingml/2006/main" xmlns:r="http://schemas.openxmlformats.org/officeDocument/2006/relationships" xmlns:p="http://schemas.openxmlformats.org/presentationml/2006/main">
-  <p:cSld>
-    <p:spTree>
-      <p:nvGrpSpPr>
-        <p:cNvPr id="1" name="">
-          <a:extLst>
-            <a:ext uri="{FF2B5EF4-FFF2-40B4-BE49-F238E27FC236}">
-              <a16:creationId xmlns:a16="http://schemas.microsoft.com/office/drawing/2014/main" id="{338C7DC0-08C5-533A-5D12-B1C157ED77F5}"/>
-            </a:ext>
-          </a:extLst>
-        </p:cNvPr>
-        <p:cNvGrpSpPr/>
-        <p:nvPr/>
-      </p:nvGrpSpPr>
-      <p:grpSpPr>
-        <a:xfrm>
-          <a:off x="0" y="0"/>
-          <a:ext cx="0" cy="0"/>
-          <a:chOff x="0" y="0"/>
-          <a:chExt cx="0" cy="0"/>
-        </a:xfrm>
-      </p:grpSpPr>
-      <p:pic>
-        <p:nvPicPr>
-          <p:cNvPr id="3" name="Picture 2">
-            <a:extLst>
-              <a:ext uri="{FF2B5EF4-FFF2-40B4-BE49-F238E27FC236}">
-                <a16:creationId xmlns:a16="http://schemas.microsoft.com/office/drawing/2014/main" id="{2719E908-FA49-0562-62E3-F94B8836B187}"/>
-              </a:ext>
-            </a:extLst>
-          </p:cNvPr>
-          <p:cNvPicPr>
-            <a:picLocks noChangeAspect="1"/>
-          </p:cNvPicPr>
-          <p:nvPr/>
-        </p:nvPicPr>
-        <p:blipFill>
-          <a:blip r:embed="rId2">
-            <a:extLst>
-              <a:ext uri="{28A0092B-C50C-407E-A947-70E740481C1C}">
-                <a14:useLocalDpi xmlns:a14="http://schemas.microsoft.com/office/drawing/2010/main" val="0"/>
-              </a:ext>
-            </a:extLst>
-          </a:blip>
-          <a:stretch>
-            <a:fillRect/>
-          </a:stretch>
-        </p:blipFill>
-        <p:spPr>
-          <a:xfrm>
-            <a:off x="-9144" y="-91440"/>
-            <a:ext cx="12192000" cy="6940296"/>
-          </a:xfrm>
-          <a:prstGeom prst="rect">
-            <a:avLst/>
-          </a:prstGeom>
-        </p:spPr>
-      </p:pic>
-      <p:sp>
-        <p:nvSpPr>
-          <p:cNvPr id="2" name="TextBox 1">
-            <a:extLst>
-              <a:ext uri="{FF2B5EF4-FFF2-40B4-BE49-F238E27FC236}">
-                <a16:creationId xmlns:a16="http://schemas.microsoft.com/office/drawing/2014/main" id="{4E3B6310-C263-82D3-3175-41C4EF0699A6}"/>
-              </a:ext>
-            </a:extLst>
-          </p:cNvPr>
-          <p:cNvSpPr txBox="1"/>
-          <p:nvPr/>
-        </p:nvSpPr>
-        <p:spPr>
-          <a:xfrm>
-            <a:off x="615261" y="517724"/>
-            <a:ext cx="10579608" cy="6155531"/>
-          </a:xfrm>
-          <a:prstGeom prst="rect">
-            <a:avLst/>
-          </a:prstGeom>
-          <a:noFill/>
-        </p:spPr>
-        <p:txBody>
-          <a:bodyPr wrap="square" rtlCol="0">
-            <a:spAutoFit/>
-          </a:bodyPr>
-          <a:lstStyle/>
-          <a:p>
-            <a:endParaRPr lang="en-US" sz="2000" b="1" dirty="0">
-              <a:solidFill>
-                <a:schemeClr val="bg1"/>
-              </a:solidFill>
-              <a:latin typeface="Söhne"/>
-            </a:endParaRPr>
-          </a:p>
-          <a:p>
-            <a:r>
-              <a:rPr lang="en-US" sz="2400" b="1" dirty="0">
-                <a:solidFill>
-                  <a:schemeClr val="accent2"/>
-                </a:solidFill>
-                <a:latin typeface="Söhne"/>
-              </a:rPr>
-              <a:t>Summary:</a:t>
-            </a:r>
-          </a:p>
-          <a:p>
-            <a:pPr marL="285750" indent="-285750">
-              <a:buFont typeface="Wingdings" panose="05000000000000000000" pitchFamily="2" charset="2"/>
-              <a:buChar char="Ø"/>
-            </a:pPr>
-            <a:endParaRPr lang="en-US" sz="2000" dirty="0">
-              <a:solidFill>
-                <a:schemeClr val="bg1"/>
-              </a:solidFill>
-              <a:latin typeface="Söhne"/>
-            </a:endParaRPr>
-          </a:p>
-          <a:p>
-            <a:pPr marL="342900" indent="-342900">
-              <a:lnSpc>
-                <a:spcPct val="150000"/>
-              </a:lnSpc>
-              <a:buFont typeface="Wingdings" panose="05000000000000000000" pitchFamily="2" charset="2"/>
-              <a:buChar char="§"/>
-            </a:pPr>
-            <a:r>
-              <a:rPr lang="en-US" sz="2000" dirty="0">
-                <a:solidFill>
-                  <a:schemeClr val="bg1"/>
-                </a:solidFill>
-                <a:latin typeface="Söhne"/>
-              </a:rPr>
-              <a:t>Comparison with Historical Models (e.g., Altman's Model)</a:t>
-            </a:r>
-          </a:p>
-          <a:p>
-            <a:pPr marL="742950" lvl="1" indent="-285750">
-              <a:lnSpc>
-                <a:spcPct val="150000"/>
-              </a:lnSpc>
-              <a:buFont typeface="Wingdings" panose="05000000000000000000" pitchFamily="2" charset="2"/>
-              <a:buChar char="Ø"/>
-            </a:pPr>
-            <a:r>
-              <a:rPr lang="en-US" sz="2000" dirty="0">
-                <a:solidFill>
-                  <a:schemeClr val="bg1"/>
-                </a:solidFill>
-                <a:latin typeface="Söhne"/>
-              </a:rPr>
-              <a:t>The advancements and improvements achieved with artificial neural networks compared to traditional models.</a:t>
-            </a:r>
-          </a:p>
-          <a:p>
-            <a:pPr marL="342900" indent="-342900">
-              <a:lnSpc>
-                <a:spcPct val="150000"/>
-              </a:lnSpc>
-              <a:buFont typeface="Wingdings" panose="05000000000000000000" pitchFamily="2" charset="2"/>
-              <a:buChar char="§"/>
-            </a:pPr>
-            <a:r>
-              <a:rPr lang="en-US" sz="2000" dirty="0">
-                <a:solidFill>
-                  <a:schemeClr val="bg1"/>
-                </a:solidFill>
-                <a:latin typeface="Söhne"/>
-              </a:rPr>
-              <a:t>Practical Implications for Businesses and Investors</a:t>
-            </a:r>
-          </a:p>
-          <a:p>
-            <a:pPr marL="742950" lvl="1" indent="-285750">
-              <a:lnSpc>
-                <a:spcPct val="150000"/>
-              </a:lnSpc>
-              <a:buFont typeface="Wingdings" panose="05000000000000000000" pitchFamily="2" charset="2"/>
-              <a:buChar char="Ø"/>
-            </a:pPr>
-            <a:r>
-              <a:rPr lang="en-US" sz="2000" dirty="0">
-                <a:solidFill>
-                  <a:schemeClr val="bg1"/>
-                </a:solidFill>
-                <a:latin typeface="Söhne"/>
-              </a:rPr>
-              <a:t>Importance of implementing predictive models to mitigate financial risks.</a:t>
-            </a:r>
-          </a:p>
-          <a:p>
-            <a:pPr marL="342900" indent="-342900">
-              <a:lnSpc>
-                <a:spcPct val="150000"/>
-              </a:lnSpc>
-              <a:buFont typeface="Wingdings" panose="05000000000000000000" pitchFamily="2" charset="2"/>
-              <a:buChar char="§"/>
-            </a:pPr>
-            <a:r>
-              <a:rPr lang="en-US" sz="2000" dirty="0">
-                <a:solidFill>
-                  <a:schemeClr val="bg1"/>
-                </a:solidFill>
-                <a:latin typeface="Söhne"/>
-              </a:rPr>
-              <a:t>Future Research Directions</a:t>
-            </a:r>
-          </a:p>
-          <a:p>
-            <a:pPr marL="742950" lvl="1" indent="-285750">
-              <a:lnSpc>
-                <a:spcPct val="150000"/>
-              </a:lnSpc>
-              <a:buFont typeface="Wingdings" panose="05000000000000000000" pitchFamily="2" charset="2"/>
-              <a:buChar char="Ø"/>
-            </a:pPr>
-            <a:r>
-              <a:rPr lang="en-US" sz="2000" dirty="0">
-                <a:solidFill>
-                  <a:schemeClr val="bg1"/>
-                </a:solidFill>
-                <a:latin typeface="Söhne"/>
-              </a:rPr>
-              <a:t>Trying to reach more accurate results through</a:t>
-            </a:r>
-            <a:r>
-              <a:rPr lang="ar-SA" sz="2000" dirty="0">
-                <a:solidFill>
-                  <a:schemeClr val="bg1"/>
-                </a:solidFill>
-                <a:latin typeface="Söhne"/>
-              </a:rPr>
-              <a:t> </a:t>
-            </a:r>
-            <a:r>
-              <a:rPr lang="en-US" sz="2000" dirty="0">
-                <a:solidFill>
-                  <a:schemeClr val="bg1"/>
-                </a:solidFill>
-                <a:latin typeface="Söhne"/>
-              </a:rPr>
-              <a:t>Providing the network with more data to help it in the training process more accurately</a:t>
-            </a:r>
-          </a:p>
-          <a:p>
-            <a:pPr marL="742950" lvl="1" indent="-285750">
-              <a:lnSpc>
-                <a:spcPct val="150000"/>
-              </a:lnSpc>
-              <a:buFont typeface="Wingdings" panose="05000000000000000000" pitchFamily="2" charset="2"/>
-              <a:buChar char="Ø"/>
-            </a:pPr>
-            <a:r>
-              <a:rPr lang="en-US" sz="2000" dirty="0">
-                <a:solidFill>
-                  <a:schemeClr val="bg1"/>
-                </a:solidFill>
-                <a:latin typeface="Söhne"/>
-              </a:rPr>
-              <a:t>Research for other financial indicators</a:t>
-            </a:r>
-          </a:p>
-          <a:p>
-            <a:endParaRPr lang="en-US" sz="2000" b="0" i="0" dirty="0">
-              <a:solidFill>
-                <a:schemeClr val="bg1"/>
-              </a:solidFill>
-              <a:effectLst/>
-              <a:latin typeface="Söhne"/>
-            </a:endParaRPr>
-          </a:p>
-          <a:p>
-            <a:endParaRPr lang="en-US" sz="2000" b="0" i="0" dirty="0">
-              <a:solidFill>
-                <a:schemeClr val="bg1"/>
-              </a:solidFill>
-              <a:effectLst/>
-              <a:latin typeface="Söhne"/>
-            </a:endParaRPr>
-          </a:p>
-          <a:p>
-            <a:endParaRPr lang="en-US" sz="2000" dirty="0">
-              <a:solidFill>
-                <a:schemeClr val="bg1"/>
-              </a:solidFill>
-            </a:endParaRPr>
-          </a:p>
-        </p:txBody>
-      </p:sp>
-      <p:sp>
-        <p:nvSpPr>
-          <p:cNvPr id="4" name="TextBox 3">
-            <a:extLst>
-              <a:ext uri="{FF2B5EF4-FFF2-40B4-BE49-F238E27FC236}">
-                <a16:creationId xmlns:a16="http://schemas.microsoft.com/office/drawing/2014/main" id="{474BC7E7-CAF3-5F55-C306-9142DFFD6FE0}"/>
-              </a:ext>
-            </a:extLst>
-          </p:cNvPr>
-          <p:cNvSpPr txBox="1"/>
-          <p:nvPr/>
-        </p:nvSpPr>
-        <p:spPr>
-          <a:xfrm>
-            <a:off x="3837432" y="188849"/>
-            <a:ext cx="4593336" cy="400110"/>
-          </a:xfrm>
-          <a:prstGeom prst="rect">
-            <a:avLst/>
-          </a:prstGeom>
-          <a:noFill/>
-        </p:spPr>
-        <p:txBody>
-          <a:bodyPr wrap="square" rtlCol="0">
-            <a:spAutoFit/>
-          </a:bodyPr>
-          <a:lstStyle/>
-          <a:p>
-            <a:r>
-              <a:rPr lang="en-US" sz="2000" b="1" dirty="0">
-                <a:solidFill>
-                  <a:schemeClr val="accent2"/>
-                </a:solidFill>
-              </a:rPr>
-              <a:t>Predictive Modeling for Financial Failure</a:t>
-            </a:r>
-            <a:endParaRPr lang="en-US" sz="2000" dirty="0">
-              <a:solidFill>
-                <a:schemeClr val="accent2"/>
-              </a:solidFill>
-            </a:endParaRPr>
-          </a:p>
-        </p:txBody>
-      </p:sp>
-    </p:spTree>
-    <p:extLst>
-      <p:ext uri="{BB962C8B-B14F-4D97-AF65-F5344CB8AC3E}">
-        <p14:creationId xmlns:p14="http://schemas.microsoft.com/office/powerpoint/2010/main" val="663125857"/>
-      </p:ext>
-    </p:extLst>
-  </p:cSld>
-  <p:clrMapOvr>
-    <a:masterClrMapping/>
-  </p:clrMapOvr>
-</p:sld>
-</file>
-
 <file path=ppt/slides/slide12.xml><?xml version="1.0" encoding="utf-8"?>
 <p:sld xmlns:a="http://schemas.openxmlformats.org/drawingml/2006/main" xmlns:r="http://schemas.openxmlformats.org/officeDocument/2006/relationships" xmlns:p="http://schemas.openxmlformats.org/presentationml/2006/main">
   <p:cSld>
@@ -6304,6 +6366,351 @@
 </file>
 
 <file path=ppt/slides/slide13.xml><?xml version="1.0" encoding="utf-8"?>
+<p:sld xmlns:a="http://schemas.openxmlformats.org/drawingml/2006/main" xmlns:r="http://schemas.openxmlformats.org/officeDocument/2006/relationships" xmlns:p="http://schemas.openxmlformats.org/presentationml/2006/main">
+  <p:cSld>
+    <p:spTree>
+      <p:nvGrpSpPr>
+        <p:cNvPr id="1" name="">
+          <a:extLst>
+            <a:ext uri="{FF2B5EF4-FFF2-40B4-BE49-F238E27FC236}">
+              <a16:creationId xmlns:a16="http://schemas.microsoft.com/office/drawing/2014/main" id="{338C7DC0-08C5-533A-5D12-B1C157ED77F5}"/>
+            </a:ext>
+          </a:extLst>
+        </p:cNvPr>
+        <p:cNvGrpSpPr/>
+        <p:nvPr/>
+      </p:nvGrpSpPr>
+      <p:grpSpPr>
+        <a:xfrm>
+          <a:off x="0" y="0"/>
+          <a:ext cx="0" cy="0"/>
+          <a:chOff x="0" y="0"/>
+          <a:chExt cx="0" cy="0"/>
+        </a:xfrm>
+      </p:grpSpPr>
+      <p:pic>
+        <p:nvPicPr>
+          <p:cNvPr id="3" name="Picture 2">
+            <a:extLst>
+              <a:ext uri="{FF2B5EF4-FFF2-40B4-BE49-F238E27FC236}">
+                <a16:creationId xmlns:a16="http://schemas.microsoft.com/office/drawing/2014/main" id="{2719E908-FA49-0562-62E3-F94B8836B187}"/>
+              </a:ext>
+            </a:extLst>
+          </p:cNvPr>
+          <p:cNvPicPr>
+            <a:picLocks noChangeAspect="1"/>
+          </p:cNvPicPr>
+          <p:nvPr/>
+        </p:nvPicPr>
+        <p:blipFill>
+          <a:blip r:embed="rId2">
+            <a:extLst>
+              <a:ext uri="{28A0092B-C50C-407E-A947-70E740481C1C}">
+                <a14:useLocalDpi xmlns:a14="http://schemas.microsoft.com/office/drawing/2010/main" val="0"/>
+              </a:ext>
+            </a:extLst>
+          </a:blip>
+          <a:stretch>
+            <a:fillRect/>
+          </a:stretch>
+        </p:blipFill>
+        <p:spPr>
+          <a:xfrm>
+            <a:off x="-9144" y="-91440"/>
+            <a:ext cx="12192000" cy="6940296"/>
+          </a:xfrm>
+          <a:prstGeom prst="rect">
+            <a:avLst/>
+          </a:prstGeom>
+        </p:spPr>
+      </p:pic>
+      <p:sp>
+        <p:nvSpPr>
+          <p:cNvPr id="2" name="TextBox 1">
+            <a:extLst>
+              <a:ext uri="{FF2B5EF4-FFF2-40B4-BE49-F238E27FC236}">
+                <a16:creationId xmlns:a16="http://schemas.microsoft.com/office/drawing/2014/main" id="{4E3B6310-C263-82D3-3175-41C4EF0699A6}"/>
+              </a:ext>
+            </a:extLst>
+          </p:cNvPr>
+          <p:cNvSpPr txBox="1"/>
+          <p:nvPr/>
+        </p:nvSpPr>
+        <p:spPr>
+          <a:xfrm>
+            <a:off x="615261" y="517724"/>
+            <a:ext cx="10579608" cy="6155531"/>
+          </a:xfrm>
+          <a:prstGeom prst="rect">
+            <a:avLst/>
+          </a:prstGeom>
+          <a:noFill/>
+        </p:spPr>
+        <p:txBody>
+          <a:bodyPr wrap="square" rtlCol="0">
+            <a:spAutoFit/>
+          </a:bodyPr>
+          <a:lstStyle/>
+          <a:p>
+            <a:endParaRPr lang="en-US" sz="2000" b="1" dirty="0">
+              <a:solidFill>
+                <a:schemeClr val="bg1"/>
+              </a:solidFill>
+              <a:latin typeface="Söhne"/>
+            </a:endParaRPr>
+          </a:p>
+          <a:p>
+            <a:r>
+              <a:rPr lang="en-US" sz="2400" b="1" dirty="0">
+                <a:solidFill>
+                  <a:schemeClr val="accent2"/>
+                </a:solidFill>
+                <a:latin typeface="Söhne"/>
+              </a:rPr>
+              <a:t>Summary:</a:t>
+            </a:r>
+          </a:p>
+          <a:p>
+            <a:pPr marL="285750" indent="-285750">
+              <a:buFont typeface="Wingdings" panose="05000000000000000000" pitchFamily="2" charset="2"/>
+              <a:buChar char="Ø"/>
+            </a:pPr>
+            <a:endParaRPr lang="en-US" sz="2000" dirty="0">
+              <a:solidFill>
+                <a:schemeClr val="bg1"/>
+              </a:solidFill>
+              <a:latin typeface="Söhne"/>
+            </a:endParaRPr>
+          </a:p>
+          <a:p>
+            <a:pPr marL="342900" indent="-342900">
+              <a:lnSpc>
+                <a:spcPct val="150000"/>
+              </a:lnSpc>
+              <a:buFont typeface="Wingdings" panose="05000000000000000000" pitchFamily="2" charset="2"/>
+              <a:buChar char="§"/>
+            </a:pPr>
+            <a:r>
+              <a:rPr lang="en-US" sz="2000" dirty="0">
+                <a:solidFill>
+                  <a:schemeClr val="bg1"/>
+                </a:solidFill>
+                <a:latin typeface="Söhne"/>
+              </a:rPr>
+              <a:t>Comparison with Historical Models (e.g., Altman's Model)</a:t>
+            </a:r>
+          </a:p>
+          <a:p>
+            <a:pPr marL="742950" lvl="1" indent="-285750">
+              <a:lnSpc>
+                <a:spcPct val="150000"/>
+              </a:lnSpc>
+              <a:buFont typeface="Wingdings" panose="05000000000000000000" pitchFamily="2" charset="2"/>
+              <a:buChar char="Ø"/>
+            </a:pPr>
+            <a:r>
+              <a:rPr lang="en-US" sz="2000" dirty="0">
+                <a:solidFill>
+                  <a:schemeClr val="bg1"/>
+                </a:solidFill>
+                <a:latin typeface="Söhne"/>
+              </a:rPr>
+              <a:t>The advancements and improvements achieved with artificial neural networks compared to traditional models.</a:t>
+            </a:r>
+          </a:p>
+          <a:p>
+            <a:pPr marL="342900" indent="-342900">
+              <a:lnSpc>
+                <a:spcPct val="150000"/>
+              </a:lnSpc>
+              <a:buFont typeface="Wingdings" panose="05000000000000000000" pitchFamily="2" charset="2"/>
+              <a:buChar char="§"/>
+            </a:pPr>
+            <a:r>
+              <a:rPr lang="en-US" sz="2000" dirty="0">
+                <a:solidFill>
+                  <a:schemeClr val="bg1"/>
+                </a:solidFill>
+                <a:latin typeface="Söhne"/>
+              </a:rPr>
+              <a:t>Practical Implications for Businesses and Investors</a:t>
+            </a:r>
+          </a:p>
+          <a:p>
+            <a:pPr marL="742950" lvl="1" indent="-285750">
+              <a:lnSpc>
+                <a:spcPct val="150000"/>
+              </a:lnSpc>
+              <a:buFont typeface="Wingdings" panose="05000000000000000000" pitchFamily="2" charset="2"/>
+              <a:buChar char="Ø"/>
+            </a:pPr>
+            <a:r>
+              <a:rPr lang="en-US" sz="2000" dirty="0">
+                <a:solidFill>
+                  <a:schemeClr val="bg1"/>
+                </a:solidFill>
+                <a:latin typeface="Söhne"/>
+              </a:rPr>
+              <a:t>Importance of implementing predictive models to mitigate financial risks.</a:t>
+            </a:r>
+          </a:p>
+          <a:p>
+            <a:pPr marL="342900" indent="-342900">
+              <a:lnSpc>
+                <a:spcPct val="150000"/>
+              </a:lnSpc>
+              <a:buFont typeface="Wingdings" panose="05000000000000000000" pitchFamily="2" charset="2"/>
+              <a:buChar char="§"/>
+            </a:pPr>
+            <a:r>
+              <a:rPr lang="en-US" sz="2000" dirty="0">
+                <a:solidFill>
+                  <a:schemeClr val="bg1"/>
+                </a:solidFill>
+                <a:latin typeface="Söhne"/>
+              </a:rPr>
+              <a:t>Future Research Directions</a:t>
+            </a:r>
+          </a:p>
+          <a:p>
+            <a:pPr marL="742950" lvl="1" indent="-285750">
+              <a:lnSpc>
+                <a:spcPct val="150000"/>
+              </a:lnSpc>
+              <a:buFont typeface="Wingdings" panose="05000000000000000000" pitchFamily="2" charset="2"/>
+              <a:buChar char="Ø"/>
+            </a:pPr>
+            <a:r>
+              <a:rPr lang="en-US" sz="2000" dirty="0">
+                <a:solidFill>
+                  <a:schemeClr val="bg1"/>
+                </a:solidFill>
+                <a:latin typeface="Söhne"/>
+              </a:rPr>
+              <a:t>Trying to reach more accurate results through</a:t>
+            </a:r>
+            <a:r>
+              <a:rPr lang="ar-SA" sz="2000" dirty="0">
+                <a:solidFill>
+                  <a:schemeClr val="bg1"/>
+                </a:solidFill>
+                <a:latin typeface="Söhne"/>
+              </a:rPr>
+              <a:t> </a:t>
+            </a:r>
+            <a:r>
+              <a:rPr lang="en-US" sz="2000" dirty="0">
+                <a:solidFill>
+                  <a:schemeClr val="bg1"/>
+                </a:solidFill>
+                <a:latin typeface="Söhne"/>
+              </a:rPr>
+              <a:t>Providing the network with more data to help it in the training process more accurately</a:t>
+            </a:r>
+          </a:p>
+          <a:p>
+            <a:pPr marL="742950" lvl="1" indent="-285750">
+              <a:lnSpc>
+                <a:spcPct val="150000"/>
+              </a:lnSpc>
+              <a:buFont typeface="Wingdings" panose="05000000000000000000" pitchFamily="2" charset="2"/>
+              <a:buChar char="Ø"/>
+            </a:pPr>
+            <a:r>
+              <a:rPr lang="en-US" sz="2000" dirty="0">
+                <a:solidFill>
+                  <a:schemeClr val="bg1"/>
+                </a:solidFill>
+                <a:latin typeface="Söhne"/>
+              </a:rPr>
+              <a:t>Research for other financial indicators</a:t>
+            </a:r>
+          </a:p>
+          <a:p>
+            <a:endParaRPr lang="en-US" sz="2000" b="0" i="0" dirty="0">
+              <a:solidFill>
+                <a:schemeClr val="bg1"/>
+              </a:solidFill>
+              <a:effectLst/>
+              <a:latin typeface="Söhne"/>
+            </a:endParaRPr>
+          </a:p>
+          <a:p>
+            <a:endParaRPr lang="en-US" sz="2000" b="0" i="0" dirty="0">
+              <a:solidFill>
+                <a:schemeClr val="bg1"/>
+              </a:solidFill>
+              <a:effectLst/>
+              <a:latin typeface="Söhne"/>
+            </a:endParaRPr>
+          </a:p>
+          <a:p>
+            <a:endParaRPr lang="en-US" sz="2000" dirty="0">
+              <a:solidFill>
+                <a:schemeClr val="bg1"/>
+              </a:solidFill>
+            </a:endParaRPr>
+          </a:p>
+        </p:txBody>
+      </p:sp>
+      <p:sp>
+        <p:nvSpPr>
+          <p:cNvPr id="4" name="TextBox 3">
+            <a:extLst>
+              <a:ext uri="{FF2B5EF4-FFF2-40B4-BE49-F238E27FC236}">
+                <a16:creationId xmlns:a16="http://schemas.microsoft.com/office/drawing/2014/main" id="{474BC7E7-CAF3-5F55-C306-9142DFFD6FE0}"/>
+              </a:ext>
+            </a:extLst>
+          </p:cNvPr>
+          <p:cNvSpPr txBox="1"/>
+          <p:nvPr/>
+        </p:nvSpPr>
+        <p:spPr>
+          <a:xfrm>
+            <a:off x="3837432" y="188849"/>
+            <a:ext cx="4593336" cy="400110"/>
+          </a:xfrm>
+          <a:prstGeom prst="rect">
+            <a:avLst/>
+          </a:prstGeom>
+          <a:noFill/>
+        </p:spPr>
+        <p:txBody>
+          <a:bodyPr wrap="square" rtlCol="0">
+            <a:spAutoFit/>
+          </a:bodyPr>
+          <a:lstStyle/>
+          <a:p>
+            <a:r>
+              <a:rPr lang="en-US" sz="2000" b="1" dirty="0">
+                <a:solidFill>
+                  <a:schemeClr val="accent2"/>
+                </a:solidFill>
+              </a:rPr>
+              <a:t>Predictive Modeling for Financial Failure</a:t>
+            </a:r>
+            <a:endParaRPr lang="en-US" sz="2000" dirty="0">
+              <a:solidFill>
+                <a:schemeClr val="accent2"/>
+              </a:solidFill>
+            </a:endParaRPr>
+          </a:p>
+        </p:txBody>
+      </p:sp>
+    </p:spTree>
+    <p:extLst>
+      <p:ext uri="{BB962C8B-B14F-4D97-AF65-F5344CB8AC3E}">
+        <p14:creationId xmlns:p14="http://schemas.microsoft.com/office/powerpoint/2010/main" val="663125857"/>
+      </p:ext>
+    </p:extLst>
+  </p:cSld>
+  <p:clrMapOvr>
+    <a:masterClrMapping/>
+  </p:clrMapOvr>
+</p:sld>
+</file>
+
+<file path=ppt/slides/slide14.xml><?xml version="1.0" encoding="utf-8"?>
 <p:sld xmlns:a="http://schemas.openxmlformats.org/drawingml/2006/main" xmlns:r="http://schemas.openxmlformats.org/officeDocument/2006/relationships" xmlns:p="http://schemas.openxmlformats.org/presentationml/2006/main">
   <p:cSld>
     <p:spTree>
@@ -6617,7 +7024,7 @@
                   <a:schemeClr val="bg1"/>
                 </a:solidFill>
               </a:rPr>
-              <a:t>Historical cases like Lehman Brothers and Silicon Valley Bank demonstrate the widespread consequences.</a:t>
+              <a:t>Historical cases like Lehman Brothers ($ 691 B) and Silicon Valley Bank ($ 209 b) demonstrate the widespread consequences.</a:t>
             </a:r>
           </a:p>
           <a:p>
@@ -6832,7 +7239,7 @@
         </p:blipFill>
         <p:spPr>
           <a:xfrm>
-            <a:off x="0" y="-82296"/>
+            <a:off x="0" y="-41148"/>
             <a:ext cx="12192000" cy="6940296"/>
           </a:xfrm>
           <a:prstGeom prst="rect">
@@ -6855,7 +7262,7 @@
         <p:spPr>
           <a:xfrm>
             <a:off x="539857" y="644132"/>
-            <a:ext cx="11112285" cy="2000548"/>
+            <a:ext cx="11112285" cy="1754326"/>
           </a:xfrm>
           <a:prstGeom prst="rect">
             <a:avLst/>
@@ -6891,7 +7298,7 @@
               <a:buChar char="§"/>
             </a:pPr>
             <a:r>
-              <a:rPr lang="en-US" sz="2400" b="1" dirty="0">
+              <a:rPr lang="en-US" sz="2000" b="1" dirty="0">
                 <a:solidFill>
                   <a:schemeClr val="bg1"/>
                 </a:solidFill>
@@ -6905,12 +7312,12 @@
               <a:buChar char="Ø"/>
             </a:pPr>
             <a:r>
-              <a:rPr lang="en-US" sz="2400" dirty="0">
+              <a:rPr lang="en-US" sz="2000" dirty="0">
                 <a:solidFill>
                   <a:schemeClr val="bg1"/>
                 </a:solidFill>
               </a:rPr>
-              <a:t>From the Beavers model in 1966 to Ohlson's logistic regression in 1980.</a:t>
+              <a:t>From the Beavers model in 1966 to Altman Z-Score model in 1968.</a:t>
             </a:r>
           </a:p>
           <a:p>
@@ -6919,100 +7326,12 @@
               <a:buChar char="Ø"/>
             </a:pPr>
             <a:r>
-              <a:rPr lang="en-US" sz="2400" dirty="0">
+              <a:rPr lang="en-US" sz="2000" dirty="0">
                 <a:solidFill>
                   <a:schemeClr val="bg1"/>
                 </a:solidFill>
               </a:rPr>
               <a:t>Various models have been developed to predict financial failure.</a:t>
-            </a:r>
-          </a:p>
-        </p:txBody>
-      </p:sp>
-      <p:pic>
-        <p:nvPicPr>
-          <p:cNvPr id="4" name="Picture 3" descr="A graph of a graph showing the amount of time&#10;&#10;Description automatically generated with medium confidence">
-            <a:extLst>
-              <a:ext uri="{FF2B5EF4-FFF2-40B4-BE49-F238E27FC236}">
-                <a16:creationId xmlns:a16="http://schemas.microsoft.com/office/drawing/2014/main" id="{BC4A8EBF-FBCE-4CD0-174F-9D412600E332}"/>
-              </a:ext>
-            </a:extLst>
-          </p:cNvPr>
-          <p:cNvPicPr>
-            <a:picLocks noChangeAspect="1"/>
-          </p:cNvPicPr>
-          <p:nvPr/>
-        </p:nvPicPr>
-        <p:blipFill>
-          <a:blip r:embed="rId3">
-            <a:extLst>
-              <a:ext uri="{28A0092B-C50C-407E-A947-70E740481C1C}">
-                <a14:useLocalDpi xmlns:a14="http://schemas.microsoft.com/office/drawing/2010/main" val="0"/>
-              </a:ext>
-            </a:extLst>
-          </a:blip>
-          <a:stretch>
-            <a:fillRect/>
-          </a:stretch>
-        </p:blipFill>
-        <p:spPr>
-          <a:xfrm>
-            <a:off x="2075688" y="2773642"/>
-            <a:ext cx="7004304" cy="3249930"/>
-          </a:xfrm>
-          <a:prstGeom prst="roundRect">
-            <a:avLst>
-              <a:gd name="adj" fmla="val 8594"/>
-            </a:avLst>
-          </a:prstGeom>
-          <a:solidFill>
-            <a:srgbClr val="FFFFFF">
-              <a:shade val="85000"/>
-            </a:srgbClr>
-          </a:solidFill>
-          <a:ln>
-            <a:noFill/>
-          </a:ln>
-          <a:effectLst>
-            <a:reflection blurRad="12700" stA="38000" endPos="28000" dist="5000" dir="5400000" sy="-100000" algn="bl" rotWithShape="0"/>
-          </a:effectLst>
-        </p:spPr>
-      </p:pic>
-      <p:sp>
-        <p:nvSpPr>
-          <p:cNvPr id="5" name="TextBox 4">
-            <a:extLst>
-              <a:ext uri="{FF2B5EF4-FFF2-40B4-BE49-F238E27FC236}">
-                <a16:creationId xmlns:a16="http://schemas.microsoft.com/office/drawing/2014/main" id="{778EC77D-2230-1B40-B003-57F601D64CDE}"/>
-              </a:ext>
-            </a:extLst>
-          </p:cNvPr>
-          <p:cNvSpPr txBox="1"/>
-          <p:nvPr/>
-        </p:nvSpPr>
-        <p:spPr>
-          <a:xfrm>
-            <a:off x="2583180" y="6183709"/>
-            <a:ext cx="5989320" cy="307777"/>
-          </a:xfrm>
-          <a:prstGeom prst="rect">
-            <a:avLst/>
-          </a:prstGeom>
-          <a:noFill/>
-        </p:spPr>
-        <p:txBody>
-          <a:bodyPr wrap="square" rtlCol="0">
-            <a:spAutoFit/>
-          </a:bodyPr>
-          <a:lstStyle/>
-          <a:p>
-            <a:r>
-              <a:rPr lang="en-US" sz="1400" dirty="0">
-                <a:solidFill>
-                  <a:schemeClr val="bg1"/>
-                </a:solidFill>
-              </a:rPr>
-              <a:t>The number of companies that filed for bankruptcy from the year 2005 to 2023</a:t>
             </a:r>
           </a:p>
         </p:txBody>
@@ -7058,6 +7377,185 @@
                 <a:schemeClr val="accent2"/>
               </a:solidFill>
             </a:endParaRPr>
+          </a:p>
+        </p:txBody>
+      </p:sp>
+      <p:pic>
+        <p:nvPicPr>
+          <p:cNvPr id="1026" name="Picture 2" descr="Altman’s Z-Score Model - Diagram">
+            <a:extLst>
+              <a:ext uri="{FF2B5EF4-FFF2-40B4-BE49-F238E27FC236}">
+                <a16:creationId xmlns:a16="http://schemas.microsoft.com/office/drawing/2014/main" id="{0C5E7BE5-D0C7-1F3E-A60D-11ED2A5E7787}"/>
+              </a:ext>
+            </a:extLst>
+          </p:cNvPr>
+          <p:cNvPicPr>
+            <a:picLocks noChangeAspect="1" noChangeArrowheads="1"/>
+          </p:cNvPicPr>
+          <p:nvPr/>
+        </p:nvPicPr>
+        <p:blipFill>
+          <a:blip r:embed="rId3">
+            <a:extLst>
+              <a:ext uri="{28A0092B-C50C-407E-A947-70E740481C1C}">
+                <a14:useLocalDpi xmlns:a14="http://schemas.microsoft.com/office/drawing/2010/main" val="0"/>
+              </a:ext>
+            </a:extLst>
+          </a:blip>
+          <a:srcRect/>
+          <a:stretch>
+            <a:fillRect/>
+          </a:stretch>
+        </p:blipFill>
+        <p:spPr bwMode="auto">
+          <a:xfrm>
+            <a:off x="7772400" y="2786021"/>
+            <a:ext cx="4047744" cy="2151740"/>
+          </a:xfrm>
+          <a:prstGeom prst="rect">
+            <a:avLst/>
+          </a:prstGeom>
+          <a:noFill/>
+          <a:extLst>
+            <a:ext uri="{909E8E84-426E-40DD-AFC4-6F175D3DCCD1}">
+              <a14:hiddenFill xmlns:a14="http://schemas.microsoft.com/office/drawing/2010/main">
+                <a:solidFill>
+                  <a:srgbClr val="FFFFFF"/>
+                </a:solidFill>
+              </a14:hiddenFill>
+            </a:ext>
+          </a:extLst>
+        </p:spPr>
+      </p:pic>
+      <p:sp>
+        <p:nvSpPr>
+          <p:cNvPr id="9" name="TextBox 8">
+            <a:extLst>
+              <a:ext uri="{FF2B5EF4-FFF2-40B4-BE49-F238E27FC236}">
+                <a16:creationId xmlns:a16="http://schemas.microsoft.com/office/drawing/2014/main" id="{048DDD47-55DF-9FDF-6F6F-718D4E99529E}"/>
+              </a:ext>
+            </a:extLst>
+          </p:cNvPr>
+          <p:cNvSpPr txBox="1"/>
+          <p:nvPr/>
+        </p:nvSpPr>
+        <p:spPr>
+          <a:xfrm>
+            <a:off x="539857" y="2685437"/>
+            <a:ext cx="6860687" cy="3230115"/>
+          </a:xfrm>
+          <a:prstGeom prst="rect">
+            <a:avLst/>
+          </a:prstGeom>
+          <a:noFill/>
+        </p:spPr>
+        <p:txBody>
+          <a:bodyPr wrap="square" rtlCol="0">
+            <a:spAutoFit/>
+          </a:bodyPr>
+          <a:lstStyle/>
+          <a:p>
+            <a:pPr>
+              <a:lnSpc>
+                <a:spcPct val="150000"/>
+              </a:lnSpc>
+            </a:pPr>
+            <a:r>
+              <a:rPr lang="en-US" b="1" dirty="0">
+                <a:solidFill>
+                  <a:schemeClr val="accent4">
+                    <a:lumMod val="40000"/>
+                    <a:lumOff val="60000"/>
+                  </a:schemeClr>
+                </a:solidFill>
+              </a:rPr>
+              <a:t>Altman's Z-Score model</a:t>
+            </a:r>
+          </a:p>
+          <a:p>
+            <a:pPr marL="285750" indent="-285750">
+              <a:lnSpc>
+                <a:spcPct val="150000"/>
+              </a:lnSpc>
+              <a:buFont typeface="Wingdings" panose="05000000000000000000" pitchFamily="2" charset="2"/>
+              <a:buChar char="§"/>
+            </a:pPr>
+            <a:r>
+              <a:rPr lang="en-US" sz="2000" dirty="0">
+                <a:solidFill>
+                  <a:schemeClr val="bg1"/>
+                </a:solidFill>
+              </a:rPr>
+              <a:t>Predicts business bankruptcy within two years.</a:t>
+            </a:r>
+          </a:p>
+          <a:p>
+            <a:pPr marL="285750" indent="-285750">
+              <a:lnSpc>
+                <a:spcPct val="150000"/>
+              </a:lnSpc>
+              <a:buFont typeface="Wingdings" panose="05000000000000000000" pitchFamily="2" charset="2"/>
+              <a:buChar char="§"/>
+            </a:pPr>
+            <a:r>
+              <a:rPr lang="en-US" sz="2000" dirty="0">
+                <a:solidFill>
+                  <a:schemeClr val="bg1"/>
+                </a:solidFill>
+              </a:rPr>
+              <a:t>Three different Z-scores for different business types.</a:t>
+            </a:r>
+          </a:p>
+          <a:p>
+            <a:pPr marL="285750" indent="-285750">
+              <a:lnSpc>
+                <a:spcPct val="150000"/>
+              </a:lnSpc>
+              <a:buFont typeface="Wingdings" panose="05000000000000000000" pitchFamily="2" charset="2"/>
+              <a:buChar char="§"/>
+            </a:pPr>
+            <a:r>
+              <a:rPr lang="en-US" sz="2000" dirty="0">
+                <a:solidFill>
+                  <a:schemeClr val="bg1"/>
+                </a:solidFill>
+              </a:rPr>
+              <a:t>72 % accuracy in predicting bankruptcy two years</a:t>
+            </a:r>
+          </a:p>
+          <a:p>
+            <a:pPr marL="285750" indent="-285750">
+              <a:lnSpc>
+                <a:spcPct val="150000"/>
+              </a:lnSpc>
+              <a:buFont typeface="Wingdings" panose="05000000000000000000" pitchFamily="2" charset="2"/>
+              <a:buChar char="§"/>
+            </a:pPr>
+            <a:r>
+              <a:rPr lang="en-US" sz="2000" dirty="0">
+                <a:solidFill>
+                  <a:schemeClr val="bg1"/>
+                </a:solidFill>
+              </a:rPr>
+              <a:t>6 % false positives.</a:t>
+            </a:r>
+          </a:p>
+          <a:p>
+            <a:pPr marL="285750" indent="-285750">
+              <a:lnSpc>
+                <a:spcPct val="150000"/>
+              </a:lnSpc>
+              <a:buFont typeface="Wingdings" panose="05000000000000000000" pitchFamily="2" charset="2"/>
+              <a:buChar char="§"/>
+            </a:pPr>
+            <a:r>
+              <a:rPr lang="en-US" sz="2000" dirty="0">
+                <a:solidFill>
+                  <a:schemeClr val="bg1"/>
+                </a:solidFill>
+              </a:rPr>
+              <a:t>False positives are higher (15-20%) when predicting bankruptcy one year in advance.</a:t>
+            </a:r>
           </a:p>
         </p:txBody>
       </p:sp>
@@ -7148,7 +7646,7 @@
         <p:spPr>
           <a:xfrm>
             <a:off x="568452" y="614721"/>
-            <a:ext cx="11055096" cy="5546262"/>
+            <a:ext cx="11055096" cy="2633798"/>
           </a:xfrm>
           <a:prstGeom prst="rect">
             <a:avLst/>
@@ -7167,14 +7665,14 @@
               </a:lnSpc>
             </a:pPr>
             <a:r>
-              <a:rPr lang="en-US" sz="2800" b="1" dirty="0">
+              <a:rPr lang="en-US" sz="2400" b="1" dirty="0">
                 <a:solidFill>
                   <a:schemeClr val="accent2"/>
                 </a:solidFill>
               </a:rPr>
               <a:t>Problem Statement:</a:t>
             </a:r>
-            <a:endParaRPr lang="en-US" sz="2800" dirty="0">
+            <a:endParaRPr lang="en-US" sz="2400" dirty="0">
               <a:solidFill>
                 <a:schemeClr val="accent5">
                   <a:lumMod val="20000"/>
@@ -7192,12 +7690,9 @@
               <a:buChar char="§"/>
             </a:pPr>
             <a:r>
-              <a:rPr lang="en-US" sz="2800" dirty="0">
-                <a:solidFill>
-                  <a:schemeClr val="accent5">
-                    <a:lumMod val="20000"/>
-                    <a:lumOff val="80000"/>
-                  </a:schemeClr>
+              <a:rPr lang="en-US" sz="2000" dirty="0">
+                <a:solidFill>
+                  <a:schemeClr val="bg1"/>
                 </a:solidFill>
               </a:rPr>
               <a:t>Consequences of Financial Failure:</a:t>
@@ -7212,12 +7707,9 @@
               <a:buChar char="Ø"/>
             </a:pPr>
             <a:r>
-              <a:rPr lang="en-US" sz="2800" dirty="0">
-                <a:solidFill>
-                  <a:schemeClr val="accent5">
-                    <a:lumMod val="20000"/>
-                    <a:lumOff val="80000"/>
-                  </a:schemeClr>
+              <a:rPr lang="en-US" sz="2000" dirty="0">
+                <a:solidFill>
+                  <a:schemeClr val="bg1"/>
                 </a:solidFill>
               </a:rPr>
               <a:t>Economic downturn, job losses, market instability.</a:t>
@@ -7232,12 +7724,9 @@
               <a:buChar char="§"/>
             </a:pPr>
             <a:r>
-              <a:rPr lang="en-US" sz="2800" dirty="0">
-                <a:solidFill>
-                  <a:schemeClr val="accent5">
-                    <a:lumMod val="20000"/>
-                    <a:lumOff val="80000"/>
-                  </a:schemeClr>
+              <a:rPr lang="en-US" sz="2000" dirty="0">
+                <a:solidFill>
+                  <a:schemeClr val="bg1"/>
                 </a:solidFill>
               </a:rPr>
               <a:t>Historical Cases:</a:t>
@@ -7252,12 +7741,9 @@
               <a:buChar char="Ø"/>
             </a:pPr>
             <a:r>
-              <a:rPr lang="en-US" sz="2800" dirty="0">
-                <a:solidFill>
-                  <a:schemeClr val="accent5">
-                    <a:lumMod val="20000"/>
-                    <a:lumOff val="80000"/>
-                  </a:schemeClr>
+              <a:rPr lang="en-US" sz="2000" dirty="0">
+                <a:solidFill>
+                  <a:schemeClr val="bg1"/>
                 </a:solidFill>
               </a:rPr>
               <a:t>Lehman Brothers, Washington Mutual, Silicon Valley Bank</a:t>
@@ -7270,82 +7756,13 @@
               </a:lnSpc>
             </a:pPr>
             <a:r>
-              <a:rPr lang="en-US" sz="2800" dirty="0">
-                <a:solidFill>
-                  <a:schemeClr val="accent5">
-                    <a:lumMod val="20000"/>
-                    <a:lumOff val="80000"/>
-                  </a:schemeClr>
+              <a:rPr lang="en-US" sz="2000" dirty="0">
+                <a:solidFill>
+                  <a:schemeClr val="bg1"/>
                 </a:solidFill>
               </a:rPr>
               <a:t>Notable examples of financial failure and bankruptcy.</a:t>
             </a:r>
-          </a:p>
-          <a:p>
-            <a:pPr marL="457200" indent="-457200">
-              <a:lnSpc>
-                <a:spcPct val="125000"/>
-              </a:lnSpc>
-              <a:buFont typeface="Wingdings" panose="05000000000000000000" pitchFamily="2" charset="2"/>
-              <a:buChar char="§"/>
-            </a:pPr>
-            <a:r>
-              <a:rPr lang="en-US" sz="2800" dirty="0">
-                <a:solidFill>
-                  <a:schemeClr val="accent5">
-                    <a:lumMod val="20000"/>
-                    <a:lumOff val="80000"/>
-                  </a:schemeClr>
-                </a:solidFill>
-              </a:rPr>
-              <a:t>Economic Impacts:</a:t>
-            </a:r>
-          </a:p>
-          <a:p>
-            <a:pPr marL="914400" lvl="1" indent="-457200">
-              <a:lnSpc>
-                <a:spcPct val="125000"/>
-              </a:lnSpc>
-              <a:buFont typeface="Wingdings" panose="05000000000000000000" pitchFamily="2" charset="2"/>
-              <a:buChar char="Ø"/>
-            </a:pPr>
-            <a:r>
-              <a:rPr lang="en-US" sz="2800" dirty="0">
-                <a:solidFill>
-                  <a:schemeClr val="accent5">
-                    <a:lumMod val="20000"/>
-                    <a:lumOff val="80000"/>
-                  </a:schemeClr>
-                </a:solidFill>
-              </a:rPr>
-              <a:t>Unemployment, Market Fluctuations</a:t>
-            </a:r>
-          </a:p>
-          <a:p>
-            <a:pPr>
-              <a:lnSpc>
-                <a:spcPct val="125000"/>
-              </a:lnSpc>
-            </a:pPr>
-            <a:r>
-              <a:rPr lang="en-US" sz="2800" dirty="0">
-                <a:solidFill>
-                  <a:schemeClr val="accent5">
-                    <a:lumMod val="20000"/>
-                    <a:lumOff val="80000"/>
-                  </a:schemeClr>
-                </a:solidFill>
-              </a:rPr>
-              <a:t>Financial failures of large companies have far-reaching effects on employment and market stability.</a:t>
-            </a:r>
-            <a:endParaRPr lang="en-US" dirty="0">
-              <a:solidFill>
-                <a:schemeClr val="accent5">
-                  <a:lumMod val="20000"/>
-                  <a:lumOff val="80000"/>
-                </a:schemeClr>
-              </a:solidFill>
-            </a:endParaRPr>
           </a:p>
         </p:txBody>
       </p:sp>
@@ -7393,6 +7810,426 @@
           </a:p>
         </p:txBody>
       </p:sp>
+      <p:pic>
+        <p:nvPicPr>
+          <p:cNvPr id="5" name="Picture 4" descr="A graph of a graph showing the amount of time&#10;&#10;Description automatically generated with medium confidence">
+            <a:extLst>
+              <a:ext uri="{FF2B5EF4-FFF2-40B4-BE49-F238E27FC236}">
+                <a16:creationId xmlns:a16="http://schemas.microsoft.com/office/drawing/2014/main" id="{BC4A8EBF-FBCE-4CD0-174F-9D412600E332}"/>
+              </a:ext>
+            </a:extLst>
+          </p:cNvPr>
+          <p:cNvPicPr>
+            <a:picLocks noChangeAspect="1"/>
+          </p:cNvPicPr>
+          <p:nvPr/>
+        </p:nvPicPr>
+        <p:blipFill>
+          <a:blip r:embed="rId3">
+            <a:extLst>
+              <a:ext uri="{28A0092B-C50C-407E-A947-70E740481C1C}">
+                <a14:useLocalDpi xmlns:a14="http://schemas.microsoft.com/office/drawing/2010/main" val="0"/>
+              </a:ext>
+            </a:extLst>
+          </a:blip>
+          <a:stretch>
+            <a:fillRect/>
+          </a:stretch>
+        </p:blipFill>
+        <p:spPr>
+          <a:xfrm>
+            <a:off x="2322576" y="3429000"/>
+            <a:ext cx="7004304" cy="2899529"/>
+          </a:xfrm>
+          <a:prstGeom prst="roundRect">
+            <a:avLst>
+              <a:gd name="adj" fmla="val 8594"/>
+            </a:avLst>
+          </a:prstGeom>
+          <a:solidFill>
+            <a:srgbClr val="FFFFFF">
+              <a:shade val="85000"/>
+            </a:srgbClr>
+          </a:solidFill>
+          <a:ln>
+            <a:noFill/>
+          </a:ln>
+          <a:effectLst>
+            <a:reflection blurRad="12700" stA="38000" endPos="28000" dist="5000" dir="5400000" sy="-100000" algn="bl" rotWithShape="0"/>
+          </a:effectLst>
+        </p:spPr>
+      </p:pic>
+      <p:sp>
+        <p:nvSpPr>
+          <p:cNvPr id="6" name="TextBox 5">
+            <a:extLst>
+              <a:ext uri="{FF2B5EF4-FFF2-40B4-BE49-F238E27FC236}">
+                <a16:creationId xmlns:a16="http://schemas.microsoft.com/office/drawing/2014/main" id="{778EC77D-2230-1B40-B003-57F601D64CDE}"/>
+              </a:ext>
+            </a:extLst>
+          </p:cNvPr>
+          <p:cNvSpPr txBox="1"/>
+          <p:nvPr/>
+        </p:nvSpPr>
+        <p:spPr>
+          <a:xfrm>
+            <a:off x="2702052" y="6439376"/>
+            <a:ext cx="5989320" cy="307777"/>
+          </a:xfrm>
+          <a:prstGeom prst="rect">
+            <a:avLst/>
+          </a:prstGeom>
+          <a:noFill/>
+        </p:spPr>
+        <p:txBody>
+          <a:bodyPr wrap="square" rtlCol="0">
+            <a:spAutoFit/>
+          </a:bodyPr>
+          <a:lstStyle/>
+          <a:p>
+            <a:r>
+              <a:rPr lang="en-US" sz="1400" dirty="0">
+                <a:solidFill>
+                  <a:schemeClr val="bg1"/>
+                </a:solidFill>
+              </a:rPr>
+              <a:t>The number of companies that filed for bankruptcy from the year 2005 to 2023</a:t>
+            </a:r>
+          </a:p>
+        </p:txBody>
+      </p:sp>
+    </p:spTree>
+    <p:extLst>
+      <p:ext uri="{BB962C8B-B14F-4D97-AF65-F5344CB8AC3E}">
+        <p14:creationId xmlns:p14="http://schemas.microsoft.com/office/powerpoint/2010/main" val="2217762016"/>
+      </p:ext>
+    </p:extLst>
+  </p:cSld>
+  <p:clrMapOvr>
+    <a:masterClrMapping/>
+  </p:clrMapOvr>
+</p:sld>
+</file>
+
+<file path=ppt/slides/slide5.xml><?xml version="1.0" encoding="utf-8"?>
+<p:sld xmlns:a="http://schemas.openxmlformats.org/drawingml/2006/main" xmlns:r="http://schemas.openxmlformats.org/officeDocument/2006/relationships" xmlns:p="http://schemas.openxmlformats.org/presentationml/2006/main">
+  <p:cSld>
+    <p:spTree>
+      <p:nvGrpSpPr>
+        <p:cNvPr id="1" name="">
+          <a:extLst>
+            <a:ext uri="{FF2B5EF4-FFF2-40B4-BE49-F238E27FC236}">
+              <a16:creationId xmlns:a16="http://schemas.microsoft.com/office/drawing/2014/main" id="{AC21C63E-D685-91A7-F1C8-5EEBAE9E33DE}"/>
+            </a:ext>
+          </a:extLst>
+        </p:cNvPr>
+        <p:cNvGrpSpPr/>
+        <p:nvPr/>
+      </p:nvGrpSpPr>
+      <p:grpSpPr>
+        <a:xfrm>
+          <a:off x="0" y="0"/>
+          <a:ext cx="0" cy="0"/>
+          <a:chOff x="0" y="0"/>
+          <a:chExt cx="0" cy="0"/>
+        </a:xfrm>
+      </p:grpSpPr>
+      <p:pic>
+        <p:nvPicPr>
+          <p:cNvPr id="3" name="Picture 2">
+            <a:extLst>
+              <a:ext uri="{FF2B5EF4-FFF2-40B4-BE49-F238E27FC236}">
+                <a16:creationId xmlns:a16="http://schemas.microsoft.com/office/drawing/2014/main" id="{D52CB0D3-8E7F-AF67-AAAA-DBA3C21DFE30}"/>
+              </a:ext>
+            </a:extLst>
+          </p:cNvPr>
+          <p:cNvPicPr>
+            <a:picLocks noChangeAspect="1"/>
+          </p:cNvPicPr>
+          <p:nvPr/>
+        </p:nvPicPr>
+        <p:blipFill>
+          <a:blip r:embed="rId2">
+            <a:extLst>
+              <a:ext uri="{28A0092B-C50C-407E-A947-70E740481C1C}">
+                <a14:useLocalDpi xmlns:a14="http://schemas.microsoft.com/office/drawing/2010/main" val="0"/>
+              </a:ext>
+            </a:extLst>
+          </a:blip>
+          <a:stretch>
+            <a:fillRect/>
+          </a:stretch>
+        </p:blipFill>
+        <p:spPr>
+          <a:xfrm>
+            <a:off x="0" y="-82296"/>
+            <a:ext cx="12192000" cy="6940296"/>
+          </a:xfrm>
+          <a:prstGeom prst="rect">
+            <a:avLst/>
+          </a:prstGeom>
+        </p:spPr>
+      </p:pic>
+      <p:sp>
+        <p:nvSpPr>
+          <p:cNvPr id="2" name="TextBox 1">
+            <a:extLst>
+              <a:ext uri="{FF2B5EF4-FFF2-40B4-BE49-F238E27FC236}">
+                <a16:creationId xmlns:a16="http://schemas.microsoft.com/office/drawing/2014/main" id="{9352414A-F6BE-790E-856E-38F1690CF0A0}"/>
+              </a:ext>
+            </a:extLst>
+          </p:cNvPr>
+          <p:cNvSpPr txBox="1"/>
+          <p:nvPr/>
+        </p:nvSpPr>
+        <p:spPr>
+          <a:xfrm>
+            <a:off x="568452" y="825033"/>
+            <a:ext cx="11055096" cy="4767139"/>
+          </a:xfrm>
+          <a:prstGeom prst="rect">
+            <a:avLst/>
+          </a:prstGeom>
+          <a:noFill/>
+        </p:spPr>
+        <p:txBody>
+          <a:bodyPr wrap="square">
+            <a:spAutoFit/>
+          </a:bodyPr>
+          <a:lstStyle/>
+          <a:p>
+            <a:pPr>
+              <a:lnSpc>
+                <a:spcPct val="150000"/>
+              </a:lnSpc>
+            </a:pPr>
+            <a:r>
+              <a:rPr lang="en-US" sz="2400" b="1" dirty="0">
+                <a:solidFill>
+                  <a:schemeClr val="accent2"/>
+                </a:solidFill>
+              </a:rPr>
+              <a:t>Problem Statement:</a:t>
+            </a:r>
+            <a:endParaRPr lang="en-US" sz="2400" dirty="0">
+              <a:solidFill>
+                <a:schemeClr val="accent5">
+                  <a:lumMod val="20000"/>
+                  <a:lumOff val="80000"/>
+                </a:schemeClr>
+              </a:solidFill>
+            </a:endParaRPr>
+          </a:p>
+          <a:p>
+            <a:pPr marL="457200" indent="-457200">
+              <a:lnSpc>
+                <a:spcPct val="125000"/>
+              </a:lnSpc>
+              <a:buFont typeface="Wingdings" panose="05000000000000000000" pitchFamily="2" charset="2"/>
+              <a:buChar char="§"/>
+            </a:pPr>
+            <a:r>
+              <a:rPr lang="en-US" sz="2400" dirty="0">
+                <a:solidFill>
+                  <a:schemeClr val="accent5">
+                    <a:lumMod val="20000"/>
+                    <a:lumOff val="80000"/>
+                  </a:schemeClr>
+                </a:solidFill>
+              </a:rPr>
+              <a:t>Consequences of Financial Failure:</a:t>
+            </a:r>
+          </a:p>
+          <a:p>
+            <a:pPr marL="914400" lvl="1" indent="-457200">
+              <a:lnSpc>
+                <a:spcPct val="125000"/>
+              </a:lnSpc>
+              <a:buFont typeface="Wingdings" panose="05000000000000000000" pitchFamily="2" charset="2"/>
+              <a:buChar char="Ø"/>
+            </a:pPr>
+            <a:r>
+              <a:rPr lang="en-US" sz="2400" dirty="0">
+                <a:solidFill>
+                  <a:schemeClr val="accent5">
+                    <a:lumMod val="20000"/>
+                    <a:lumOff val="80000"/>
+                  </a:schemeClr>
+                </a:solidFill>
+              </a:rPr>
+              <a:t>Economic downturn, job losses, market instability.</a:t>
+            </a:r>
+          </a:p>
+          <a:p>
+            <a:pPr marL="457200" indent="-457200">
+              <a:lnSpc>
+                <a:spcPct val="125000"/>
+              </a:lnSpc>
+              <a:buFont typeface="Wingdings" panose="05000000000000000000" pitchFamily="2" charset="2"/>
+              <a:buChar char="§"/>
+            </a:pPr>
+            <a:r>
+              <a:rPr lang="en-US" sz="2400" dirty="0">
+                <a:solidFill>
+                  <a:schemeClr val="accent5">
+                    <a:lumMod val="20000"/>
+                    <a:lumOff val="80000"/>
+                  </a:schemeClr>
+                </a:solidFill>
+              </a:rPr>
+              <a:t>Historical Cases:</a:t>
+            </a:r>
+          </a:p>
+          <a:p>
+            <a:pPr marL="914400" lvl="1" indent="-457200">
+              <a:lnSpc>
+                <a:spcPct val="125000"/>
+              </a:lnSpc>
+              <a:buFont typeface="Wingdings" panose="05000000000000000000" pitchFamily="2" charset="2"/>
+              <a:buChar char="Ø"/>
+            </a:pPr>
+            <a:r>
+              <a:rPr lang="en-US" sz="2400" dirty="0">
+                <a:solidFill>
+                  <a:schemeClr val="accent5">
+                    <a:lumMod val="20000"/>
+                    <a:lumOff val="80000"/>
+                  </a:schemeClr>
+                </a:solidFill>
+              </a:rPr>
+              <a:t>Lehman Brothers, Washington Mutual, Silicon Valley Bank</a:t>
+            </a:r>
+          </a:p>
+          <a:p>
+            <a:pPr>
+              <a:lnSpc>
+                <a:spcPct val="125000"/>
+              </a:lnSpc>
+            </a:pPr>
+            <a:r>
+              <a:rPr lang="en-US" sz="2400" dirty="0">
+                <a:solidFill>
+                  <a:schemeClr val="accent5">
+                    <a:lumMod val="20000"/>
+                    <a:lumOff val="80000"/>
+                  </a:schemeClr>
+                </a:solidFill>
+              </a:rPr>
+              <a:t>Notable examples of financial failure and bankruptcy.</a:t>
+            </a:r>
+          </a:p>
+          <a:p>
+            <a:pPr marL="457200" indent="-457200">
+              <a:lnSpc>
+                <a:spcPct val="125000"/>
+              </a:lnSpc>
+              <a:buFont typeface="Wingdings" panose="05000000000000000000" pitchFamily="2" charset="2"/>
+              <a:buChar char="§"/>
+            </a:pPr>
+            <a:r>
+              <a:rPr lang="en-US" sz="2400" dirty="0">
+                <a:solidFill>
+                  <a:schemeClr val="accent5">
+                    <a:lumMod val="20000"/>
+                    <a:lumOff val="80000"/>
+                  </a:schemeClr>
+                </a:solidFill>
+              </a:rPr>
+              <a:t>Economic Impacts:</a:t>
+            </a:r>
+          </a:p>
+          <a:p>
+            <a:pPr marL="914400" lvl="1" indent="-457200">
+              <a:lnSpc>
+                <a:spcPct val="125000"/>
+              </a:lnSpc>
+              <a:buFont typeface="Wingdings" panose="05000000000000000000" pitchFamily="2" charset="2"/>
+              <a:buChar char="Ø"/>
+            </a:pPr>
+            <a:r>
+              <a:rPr lang="en-US" sz="2400" dirty="0">
+                <a:solidFill>
+                  <a:schemeClr val="accent5">
+                    <a:lumMod val="20000"/>
+                    <a:lumOff val="80000"/>
+                  </a:schemeClr>
+                </a:solidFill>
+              </a:rPr>
+              <a:t>Unemployment, Market Fluctuations</a:t>
+            </a:r>
+          </a:p>
+          <a:p>
+            <a:pPr>
+              <a:lnSpc>
+                <a:spcPct val="125000"/>
+              </a:lnSpc>
+            </a:pPr>
+            <a:r>
+              <a:rPr lang="en-US" sz="2400" dirty="0">
+                <a:solidFill>
+                  <a:schemeClr val="accent5">
+                    <a:lumMod val="20000"/>
+                    <a:lumOff val="80000"/>
+                  </a:schemeClr>
+                </a:solidFill>
+              </a:rPr>
+              <a:t>Financial failures of large companies have far-reaching effects on employment and market stability.</a:t>
+            </a:r>
+            <a:endParaRPr lang="en-US" sz="1600" dirty="0">
+              <a:solidFill>
+                <a:schemeClr val="accent5">
+                  <a:lumMod val="20000"/>
+                  <a:lumOff val="80000"/>
+                </a:schemeClr>
+              </a:solidFill>
+            </a:endParaRPr>
+          </a:p>
+        </p:txBody>
+      </p:sp>
+      <p:sp>
+        <p:nvSpPr>
+          <p:cNvPr id="4" name="TextBox 3">
+            <a:extLst>
+              <a:ext uri="{FF2B5EF4-FFF2-40B4-BE49-F238E27FC236}">
+                <a16:creationId xmlns:a16="http://schemas.microsoft.com/office/drawing/2014/main" id="{4E5CAA8A-67B3-8A12-10DA-940E0EBB1D2A}"/>
+              </a:ext>
+            </a:extLst>
+          </p:cNvPr>
+          <p:cNvSpPr txBox="1"/>
+          <p:nvPr/>
+        </p:nvSpPr>
+        <p:spPr>
+          <a:xfrm>
+            <a:off x="3799332" y="214611"/>
+            <a:ext cx="4593336" cy="400110"/>
+          </a:xfrm>
+          <a:prstGeom prst="rect">
+            <a:avLst/>
+          </a:prstGeom>
+          <a:noFill/>
+        </p:spPr>
+        <p:txBody>
+          <a:bodyPr wrap="square" rtlCol="0">
+            <a:spAutoFit/>
+          </a:bodyPr>
+          <a:lstStyle/>
+          <a:p>
+            <a:r>
+              <a:rPr lang="en-US" sz="2000" b="1" dirty="0">
+                <a:solidFill>
+                  <a:schemeClr val="accent2"/>
+                </a:solidFill>
+              </a:rPr>
+              <a:t>Predictive Modeling for Financial Failure</a:t>
+            </a:r>
+            <a:endParaRPr lang="en-US" sz="2000" dirty="0">
+              <a:solidFill>
+                <a:schemeClr val="accent2"/>
+              </a:solidFill>
+            </a:endParaRPr>
+          </a:p>
+        </p:txBody>
+      </p:sp>
     </p:spTree>
     <p:extLst>
       <p:ext uri="{BB962C8B-B14F-4D97-AF65-F5344CB8AC3E}">
@@ -7406,7 +8243,7 @@
 </p:sld>
 </file>
 
-<file path=ppt/slides/slide5.xml><?xml version="1.0" encoding="utf-8"?>
+<file path=ppt/slides/slide6.xml><?xml version="1.0" encoding="utf-8"?>
 <p:sld xmlns:a="http://schemas.openxmlformats.org/drawingml/2006/main" xmlns:r="http://schemas.openxmlformats.org/officeDocument/2006/relationships" xmlns:p="http://schemas.openxmlformats.org/presentationml/2006/main">
   <p:cSld>
     <p:spTree>
@@ -7831,7 +8668,7 @@
 </p:sld>
 </file>
 
-<file path=ppt/slides/slide6.xml><?xml version="1.0" encoding="utf-8"?>
+<file path=ppt/slides/slide7.xml><?xml version="1.0" encoding="utf-8"?>
 <p:sld xmlns:a="http://schemas.openxmlformats.org/drawingml/2006/main" xmlns:r="http://schemas.openxmlformats.org/officeDocument/2006/relationships" xmlns:p="http://schemas.openxmlformats.org/presentationml/2006/main">
   <p:cSld>
     <p:spTree>
@@ -8141,7 +8978,7 @@
 </p:sld>
 </file>
 
-<file path=ppt/slides/slide7.xml><?xml version="1.0" encoding="utf-8"?>
+<file path=ppt/slides/slide8.xml><?xml version="1.0" encoding="utf-8"?>
 <p:sld xmlns:a="http://schemas.openxmlformats.org/drawingml/2006/main" xmlns:r="http://schemas.openxmlformats.org/officeDocument/2006/relationships" xmlns:p="http://schemas.openxmlformats.org/presentationml/2006/main">
   <p:cSld>
     <p:spTree>
@@ -8337,7 +9174,7 @@
         </p:blipFill>
         <p:spPr>
           <a:xfrm>
-            <a:off x="7116550" y="862149"/>
+            <a:off x="7045234" y="1109902"/>
             <a:ext cx="4655283" cy="1432395"/>
           </a:xfrm>
           <a:prstGeom prst="roundRect">
@@ -8386,8 +9223,8 @@
         </p:blipFill>
         <p:spPr>
           <a:xfrm>
-            <a:off x="2116182" y="2904091"/>
-            <a:ext cx="7141036" cy="3202279"/>
+            <a:off x="2116182" y="3063240"/>
+            <a:ext cx="7141036" cy="3043130"/>
           </a:xfrm>
           <a:prstGeom prst="roundRect">
             <a:avLst>
@@ -8464,7 +9301,7 @@
 </p:sld>
 </file>
 
-<file path=ppt/slides/slide8.xml><?xml version="1.0" encoding="utf-8"?>
+<file path=ppt/slides/slide9.xml><?xml version="1.0" encoding="utf-8"?>
 <p:sld xmlns:a="http://schemas.openxmlformats.org/drawingml/2006/main" xmlns:r="http://schemas.openxmlformats.org/officeDocument/2006/relationships" xmlns:p="http://schemas.openxmlformats.org/presentationml/2006/main">
   <p:cSld>
     <p:spTree>
@@ -8901,341 +9738,6 @@
     <p:extLst>
       <p:ext uri="{BB962C8B-B14F-4D97-AF65-F5344CB8AC3E}">
         <p14:creationId xmlns:p14="http://schemas.microsoft.com/office/powerpoint/2010/main" val="2270454260"/>
-      </p:ext>
-    </p:extLst>
-  </p:cSld>
-  <p:clrMapOvr>
-    <a:masterClrMapping/>
-  </p:clrMapOvr>
-</p:sld>
-</file>
-
-<file path=ppt/slides/slide9.xml><?xml version="1.0" encoding="utf-8"?>
-<p:sld xmlns:a="http://schemas.openxmlformats.org/drawingml/2006/main" xmlns:r="http://schemas.openxmlformats.org/officeDocument/2006/relationships" xmlns:p="http://schemas.openxmlformats.org/presentationml/2006/main">
-  <p:cSld>
-    <p:spTree>
-      <p:nvGrpSpPr>
-        <p:cNvPr id="1" name="">
-          <a:extLst>
-            <a:ext uri="{FF2B5EF4-FFF2-40B4-BE49-F238E27FC236}">
-              <a16:creationId xmlns:a16="http://schemas.microsoft.com/office/drawing/2014/main" id="{32F6390F-5733-D935-BF88-959B9A3E7362}"/>
-            </a:ext>
-          </a:extLst>
-        </p:cNvPr>
-        <p:cNvGrpSpPr/>
-        <p:nvPr/>
-      </p:nvGrpSpPr>
-      <p:grpSpPr>
-        <a:xfrm>
-          <a:off x="0" y="0"/>
-          <a:ext cx="0" cy="0"/>
-          <a:chOff x="0" y="0"/>
-          <a:chExt cx="0" cy="0"/>
-        </a:xfrm>
-      </p:grpSpPr>
-      <p:pic>
-        <p:nvPicPr>
-          <p:cNvPr id="3" name="Picture 2">
-            <a:extLst>
-              <a:ext uri="{FF2B5EF4-FFF2-40B4-BE49-F238E27FC236}">
-                <a16:creationId xmlns:a16="http://schemas.microsoft.com/office/drawing/2014/main" id="{CD4C8334-E9A0-3F42-7434-6F344598B053}"/>
-              </a:ext>
-            </a:extLst>
-          </p:cNvPr>
-          <p:cNvPicPr>
-            <a:picLocks noChangeAspect="1"/>
-          </p:cNvPicPr>
-          <p:nvPr/>
-        </p:nvPicPr>
-        <p:blipFill>
-          <a:blip r:embed="rId2">
-            <a:extLst>
-              <a:ext uri="{28A0092B-C50C-407E-A947-70E740481C1C}">
-                <a14:useLocalDpi xmlns:a14="http://schemas.microsoft.com/office/drawing/2010/main" val="0"/>
-              </a:ext>
-            </a:extLst>
-          </a:blip>
-          <a:stretch>
-            <a:fillRect/>
-          </a:stretch>
-        </p:blipFill>
-        <p:spPr>
-          <a:xfrm>
-            <a:off x="0" y="0"/>
-            <a:ext cx="12192000" cy="6940296"/>
-          </a:xfrm>
-          <a:prstGeom prst="rect">
-            <a:avLst/>
-          </a:prstGeom>
-        </p:spPr>
-      </p:pic>
-      <p:sp>
-        <p:nvSpPr>
-          <p:cNvPr id="5" name="TextBox 4">
-            <a:extLst>
-              <a:ext uri="{FF2B5EF4-FFF2-40B4-BE49-F238E27FC236}">
-                <a16:creationId xmlns:a16="http://schemas.microsoft.com/office/drawing/2014/main" id="{A49BE4D7-3BFA-EC84-AC1F-598D0951867A}"/>
-              </a:ext>
-            </a:extLst>
-          </p:cNvPr>
-          <p:cNvSpPr txBox="1"/>
-          <p:nvPr/>
-        </p:nvSpPr>
-        <p:spPr>
-          <a:xfrm>
-            <a:off x="500743" y="1054821"/>
-            <a:ext cx="6156960" cy="1015663"/>
-          </a:xfrm>
-          <a:prstGeom prst="rect">
-            <a:avLst/>
-          </a:prstGeom>
-          <a:noFill/>
-        </p:spPr>
-        <p:txBody>
-          <a:bodyPr wrap="square">
-            <a:spAutoFit/>
-          </a:bodyPr>
-          <a:lstStyle/>
-          <a:p>
-            <a:r>
-              <a:rPr lang="en-US" sz="2400" b="1" i="0" dirty="0">
-                <a:solidFill>
-                  <a:schemeClr val="accent2"/>
-                </a:solidFill>
-                <a:effectLst/>
-                <a:latin typeface="Söhne"/>
-              </a:rPr>
-              <a:t>The Results:</a:t>
-            </a:r>
-          </a:p>
-          <a:p>
-            <a:endParaRPr lang="en-US" sz="1800" b="1" i="0" dirty="0">
-              <a:solidFill>
-                <a:schemeClr val="accent2">
-                  <a:lumMod val="60000"/>
-                  <a:lumOff val="40000"/>
-                </a:schemeClr>
-              </a:solidFill>
-              <a:effectLst/>
-              <a:latin typeface="Söhne"/>
-            </a:endParaRPr>
-          </a:p>
-          <a:p>
-            <a:pPr marL="742950" lvl="1" indent="-285750">
-              <a:buFont typeface="Wingdings" panose="05000000000000000000" pitchFamily="2" charset="2"/>
-              <a:buChar char="Ø"/>
-            </a:pPr>
-            <a:r>
-              <a:rPr lang="en-US" i="0" dirty="0">
-                <a:solidFill>
-                  <a:schemeClr val="accent4">
-                    <a:lumMod val="40000"/>
-                    <a:lumOff val="60000"/>
-                  </a:schemeClr>
-                </a:solidFill>
-                <a:effectLst/>
-                <a:latin typeface="Söhne"/>
-              </a:rPr>
-              <a:t>Linear Regression (LR) Results:</a:t>
-            </a:r>
-          </a:p>
-        </p:txBody>
-      </p:sp>
-      <p:pic>
-        <p:nvPicPr>
-          <p:cNvPr id="8" name="Picture 7">
-            <a:extLst>
-              <a:ext uri="{FF2B5EF4-FFF2-40B4-BE49-F238E27FC236}">
-                <a16:creationId xmlns:a16="http://schemas.microsoft.com/office/drawing/2014/main" id="{5B70CF32-8E9C-7B4E-8B85-6A3CDAEA678F}"/>
-              </a:ext>
-            </a:extLst>
-          </p:cNvPr>
-          <p:cNvPicPr>
-            <a:picLocks noChangeAspect="1"/>
-          </p:cNvPicPr>
-          <p:nvPr/>
-        </p:nvPicPr>
-        <p:blipFill>
-          <a:blip r:embed="rId3">
-            <a:extLst>
-              <a:ext uri="{28A0092B-C50C-407E-A947-70E740481C1C}">
-                <a14:useLocalDpi xmlns:a14="http://schemas.microsoft.com/office/drawing/2010/main" val="0"/>
-              </a:ext>
-            </a:extLst>
-          </a:blip>
-          <a:stretch>
-            <a:fillRect/>
-          </a:stretch>
-        </p:blipFill>
-        <p:spPr>
-          <a:xfrm>
-            <a:off x="394491" y="2301230"/>
-            <a:ext cx="3715955" cy="3768639"/>
-          </a:xfrm>
-          <a:prstGeom prst="roundRect">
-            <a:avLst>
-              <a:gd name="adj" fmla="val 8594"/>
-            </a:avLst>
-          </a:prstGeom>
-          <a:solidFill>
-            <a:srgbClr val="FFFFFF">
-              <a:shade val="85000"/>
-            </a:srgbClr>
-          </a:solidFill>
-          <a:ln>
-            <a:noFill/>
-          </a:ln>
-          <a:effectLst>
-            <a:reflection blurRad="12700" stA="38000" endPos="28000" dist="5000" dir="5400000" sy="-100000" algn="bl" rotWithShape="0"/>
-          </a:effectLst>
-        </p:spPr>
-      </p:pic>
-      <p:pic>
-        <p:nvPicPr>
-          <p:cNvPr id="11" name="Picture 10">
-            <a:extLst>
-              <a:ext uri="{FF2B5EF4-FFF2-40B4-BE49-F238E27FC236}">
-                <a16:creationId xmlns:a16="http://schemas.microsoft.com/office/drawing/2014/main" id="{0C333EF3-7CF8-39C3-ADCA-828B783BB855}"/>
-              </a:ext>
-            </a:extLst>
-          </p:cNvPr>
-          <p:cNvPicPr>
-            <a:picLocks noChangeAspect="1"/>
-          </p:cNvPicPr>
-          <p:nvPr/>
-        </p:nvPicPr>
-        <p:blipFill>
-          <a:blip r:embed="rId4">
-            <a:extLst>
-              <a:ext uri="{28A0092B-C50C-407E-A947-70E740481C1C}">
-                <a14:useLocalDpi xmlns:a14="http://schemas.microsoft.com/office/drawing/2010/main" val="0"/>
-              </a:ext>
-            </a:extLst>
-          </a:blip>
-          <a:stretch>
-            <a:fillRect/>
-          </a:stretch>
-        </p:blipFill>
-        <p:spPr>
-          <a:xfrm>
-            <a:off x="4371641" y="2301229"/>
-            <a:ext cx="3800426" cy="3768639"/>
-          </a:xfrm>
-          <a:prstGeom prst="roundRect">
-            <a:avLst>
-              <a:gd name="adj" fmla="val 8594"/>
-            </a:avLst>
-          </a:prstGeom>
-          <a:solidFill>
-            <a:srgbClr val="FFFFFF">
-              <a:shade val="85000"/>
-            </a:srgbClr>
-          </a:solidFill>
-          <a:ln>
-            <a:noFill/>
-          </a:ln>
-          <a:effectLst>
-            <a:reflection blurRad="12700" stA="38000" endPos="28000" dist="5000" dir="5400000" sy="-100000" algn="bl" rotWithShape="0"/>
-          </a:effectLst>
-        </p:spPr>
-      </p:pic>
-      <p:pic>
-        <p:nvPicPr>
-          <p:cNvPr id="13" name="Picture 12">
-            <a:extLst>
-              <a:ext uri="{FF2B5EF4-FFF2-40B4-BE49-F238E27FC236}">
-                <a16:creationId xmlns:a16="http://schemas.microsoft.com/office/drawing/2014/main" id="{2AD9BB0E-338D-E441-7C69-060D7ED89D15}"/>
-              </a:ext>
-            </a:extLst>
-          </p:cNvPr>
-          <p:cNvPicPr>
-            <a:picLocks noChangeAspect="1"/>
-          </p:cNvPicPr>
-          <p:nvPr/>
-        </p:nvPicPr>
-        <p:blipFill>
-          <a:blip r:embed="rId5">
-            <a:extLst>
-              <a:ext uri="{28A0092B-C50C-407E-A947-70E740481C1C}">
-                <a14:useLocalDpi xmlns:a14="http://schemas.microsoft.com/office/drawing/2010/main" val="0"/>
-              </a:ext>
-            </a:extLst>
-          </a:blip>
-          <a:stretch>
-            <a:fillRect/>
-          </a:stretch>
-        </p:blipFill>
-        <p:spPr>
-          <a:xfrm>
-            <a:off x="8433263" y="2301229"/>
-            <a:ext cx="3492796" cy="3768639"/>
-          </a:xfrm>
-          <a:prstGeom prst="roundRect">
-            <a:avLst>
-              <a:gd name="adj" fmla="val 8594"/>
-            </a:avLst>
-          </a:prstGeom>
-          <a:solidFill>
-            <a:srgbClr val="FFFFFF">
-              <a:shade val="85000"/>
-            </a:srgbClr>
-          </a:solidFill>
-          <a:ln>
-            <a:noFill/>
-          </a:ln>
-          <a:effectLst>
-            <a:reflection blurRad="12700" stA="38000" endPos="28000" dist="5000" dir="5400000" sy="-100000" algn="bl" rotWithShape="0"/>
-          </a:effectLst>
-        </p:spPr>
-      </p:pic>
-      <p:sp>
-        <p:nvSpPr>
-          <p:cNvPr id="4" name="TextBox 3">
-            <a:extLst>
-              <a:ext uri="{FF2B5EF4-FFF2-40B4-BE49-F238E27FC236}">
-                <a16:creationId xmlns:a16="http://schemas.microsoft.com/office/drawing/2014/main" id="{B8CAA9DC-58EF-8343-BBBB-273CFC273D43}"/>
-              </a:ext>
-            </a:extLst>
-          </p:cNvPr>
-          <p:cNvSpPr txBox="1"/>
-          <p:nvPr/>
-        </p:nvSpPr>
-        <p:spPr>
-          <a:xfrm>
-            <a:off x="3837432" y="188849"/>
-            <a:ext cx="4593336" cy="400110"/>
-          </a:xfrm>
-          <a:prstGeom prst="rect">
-            <a:avLst/>
-          </a:prstGeom>
-          <a:noFill/>
-        </p:spPr>
-        <p:txBody>
-          <a:bodyPr wrap="square" rtlCol="0">
-            <a:spAutoFit/>
-          </a:bodyPr>
-          <a:lstStyle/>
-          <a:p>
-            <a:r>
-              <a:rPr lang="en-US" sz="2000" b="1" dirty="0">
-                <a:solidFill>
-                  <a:schemeClr val="accent2"/>
-                </a:solidFill>
-              </a:rPr>
-              <a:t>Predictive Modeling for Financial Failure</a:t>
-            </a:r>
-            <a:endParaRPr lang="en-US" sz="2000" dirty="0">
-              <a:solidFill>
-                <a:schemeClr val="accent2"/>
-              </a:solidFill>
-            </a:endParaRPr>
-          </a:p>
-        </p:txBody>
-      </p:sp>
-    </p:spTree>
-    <p:extLst>
-      <p:ext uri="{BB962C8B-B14F-4D97-AF65-F5344CB8AC3E}">
-        <p14:creationId xmlns:p14="http://schemas.microsoft.com/office/powerpoint/2010/main" val="1496602039"/>
       </p:ext>
     </p:extLst>
   </p:cSld>

--- a/Presentation.pptx
+++ b/Presentation.pptx
@@ -128,6 +128,229 @@
 <file path=ppt/changesInfos/changesInfo1.xml><?xml version="1.0" encoding="utf-8"?>
 <pc:chgInfo xmlns:a="http://schemas.openxmlformats.org/drawingml/2006/main" xmlns:r="http://schemas.openxmlformats.org/officeDocument/2006/relationships" xmlns:ac="http://schemas.microsoft.com/office/drawing/2013/main/command" xmlns:pc="http://schemas.microsoft.com/office/powerpoint/2013/main/command">
   <pc:docChgLst>
+    <pc:chgData name="Maher Alqarra" userId="81703c0c110a5f03" providerId="LiveId" clId="{9D3084B4-3CA2-418A-BD17-12D18752C5BA}"/>
+    <pc:docChg chg="undo custSel addSld modSld">
+      <pc:chgData name="Maher Alqarra" userId="81703c0c110a5f03" providerId="LiveId" clId="{9D3084B4-3CA2-418A-BD17-12D18752C5BA}" dt="2024-03-06T15:15:53.839" v="292" actId="20577"/>
+      <pc:docMkLst>
+        <pc:docMk/>
+      </pc:docMkLst>
+      <pc:sldChg chg="modSp mod">
+        <pc:chgData name="Maher Alqarra" userId="81703c0c110a5f03" providerId="LiveId" clId="{9D3084B4-3CA2-418A-BD17-12D18752C5BA}" dt="2024-03-06T14:39:47.515" v="30" actId="12"/>
+        <pc:sldMkLst>
+          <pc:docMk/>
+          <pc:sldMk cId="742347494" sldId="256"/>
+        </pc:sldMkLst>
+        <pc:spChg chg="mod">
+          <ac:chgData name="Maher Alqarra" userId="81703c0c110a5f03" providerId="LiveId" clId="{9D3084B4-3CA2-418A-BD17-12D18752C5BA}" dt="2024-03-06T14:39:47.515" v="30" actId="12"/>
+          <ac:spMkLst>
+            <pc:docMk/>
+            <pc:sldMk cId="742347494" sldId="256"/>
+            <ac:spMk id="2" creationId="{BE9EC313-838A-BAFA-AFAD-BF8E05A1C879}"/>
+          </ac:spMkLst>
+        </pc:spChg>
+      </pc:sldChg>
+      <pc:sldChg chg="modSp mod">
+        <pc:chgData name="Maher Alqarra" userId="81703c0c110a5f03" providerId="LiveId" clId="{9D3084B4-3CA2-418A-BD17-12D18752C5BA}" dt="2024-03-06T14:40:20.100" v="35" actId="12"/>
+        <pc:sldMkLst>
+          <pc:docMk/>
+          <pc:sldMk cId="3098824939" sldId="257"/>
+        </pc:sldMkLst>
+        <pc:spChg chg="mod">
+          <ac:chgData name="Maher Alqarra" userId="81703c0c110a5f03" providerId="LiveId" clId="{9D3084B4-3CA2-418A-BD17-12D18752C5BA}" dt="2024-03-06T14:40:20.100" v="35" actId="12"/>
+          <ac:spMkLst>
+            <pc:docMk/>
+            <pc:sldMk cId="3098824939" sldId="257"/>
+            <ac:spMk id="4" creationId="{832A307A-1BC8-D6DE-1059-37869E398E3C}"/>
+          </ac:spMkLst>
+        </pc:spChg>
+      </pc:sldChg>
+      <pc:sldChg chg="modSp mod">
+        <pc:chgData name="Maher Alqarra" userId="81703c0c110a5f03" providerId="LiveId" clId="{9D3084B4-3CA2-418A-BD17-12D18752C5BA}" dt="2024-03-06T14:40:07.232" v="33" actId="1076"/>
+        <pc:sldMkLst>
+          <pc:docMk/>
+          <pc:sldMk cId="2502954960" sldId="258"/>
+        </pc:sldMkLst>
+        <pc:picChg chg="mod">
+          <ac:chgData name="Maher Alqarra" userId="81703c0c110a5f03" providerId="LiveId" clId="{9D3084B4-3CA2-418A-BD17-12D18752C5BA}" dt="2024-03-06T14:40:07.232" v="33" actId="1076"/>
+          <ac:picMkLst>
+            <pc:docMk/>
+            <pc:sldMk cId="2502954960" sldId="258"/>
+            <ac:picMk id="6" creationId="{FA22D336-1461-2DA7-0A08-88245F2145AB}"/>
+          </ac:picMkLst>
+        </pc:picChg>
+      </pc:sldChg>
+      <pc:sldChg chg="modSp mod">
+        <pc:chgData name="Maher Alqarra" userId="81703c0c110a5f03" providerId="LiveId" clId="{9D3084B4-3CA2-418A-BD17-12D18752C5BA}" dt="2024-03-06T14:40:50.496" v="39" actId="403"/>
+        <pc:sldMkLst>
+          <pc:docMk/>
+          <pc:sldMk cId="4064793766" sldId="259"/>
+        </pc:sldMkLst>
+        <pc:spChg chg="mod">
+          <ac:chgData name="Maher Alqarra" userId="81703c0c110a5f03" providerId="LiveId" clId="{9D3084B4-3CA2-418A-BD17-12D18752C5BA}" dt="2024-03-06T14:40:50.496" v="39" actId="403"/>
+          <ac:spMkLst>
+            <pc:docMk/>
+            <pc:sldMk cId="4064793766" sldId="259"/>
+            <ac:spMk id="2" creationId="{CE082283-1CAA-CA64-1B05-E8ABE2E2CCAE}"/>
+          </ac:spMkLst>
+        </pc:spChg>
+      </pc:sldChg>
+      <pc:sldChg chg="modSp mod">
+        <pc:chgData name="Maher Alqarra" userId="81703c0c110a5f03" providerId="LiveId" clId="{9D3084B4-3CA2-418A-BD17-12D18752C5BA}" dt="2024-03-06T14:40:42.368" v="37" actId="1076"/>
+        <pc:sldMkLst>
+          <pc:docMk/>
+          <pc:sldMk cId="4091885840" sldId="260"/>
+        </pc:sldMkLst>
+        <pc:spChg chg="mod">
+          <ac:chgData name="Maher Alqarra" userId="81703c0c110a5f03" providerId="LiveId" clId="{9D3084B4-3CA2-418A-BD17-12D18752C5BA}" dt="2024-03-06T14:40:39.785" v="36" actId="12"/>
+          <ac:spMkLst>
+            <pc:docMk/>
+            <pc:sldMk cId="4091885840" sldId="260"/>
+            <ac:spMk id="2" creationId="{9352414A-F6BE-790E-856E-38F1690CF0A0}"/>
+          </ac:spMkLst>
+        </pc:spChg>
+        <pc:picChg chg="mod">
+          <ac:chgData name="Maher Alqarra" userId="81703c0c110a5f03" providerId="LiveId" clId="{9D3084B4-3CA2-418A-BD17-12D18752C5BA}" dt="2024-03-06T14:40:42.368" v="37" actId="1076"/>
+          <ac:picMkLst>
+            <pc:docMk/>
+            <pc:sldMk cId="4091885840" sldId="260"/>
+            <ac:picMk id="5" creationId="{C0B07E4A-150C-ACE5-2A00-E718C7AAB292}"/>
+          </ac:picMkLst>
+        </pc:picChg>
+      </pc:sldChg>
+      <pc:sldChg chg="modSp mod">
+        <pc:chgData name="Maher Alqarra" userId="81703c0c110a5f03" providerId="LiveId" clId="{9D3084B4-3CA2-418A-BD17-12D18752C5BA}" dt="2024-03-06T14:41:51.242" v="46" actId="14100"/>
+        <pc:sldMkLst>
+          <pc:docMk/>
+          <pc:sldMk cId="2270454260" sldId="262"/>
+        </pc:sldMkLst>
+        <pc:spChg chg="mod">
+          <ac:chgData name="Maher Alqarra" userId="81703c0c110a5f03" providerId="LiveId" clId="{9D3084B4-3CA2-418A-BD17-12D18752C5BA}" dt="2024-03-06T14:41:47.516" v="45" actId="1076"/>
+          <ac:spMkLst>
+            <pc:docMk/>
+            <pc:sldMk cId="2270454260" sldId="262"/>
+            <ac:spMk id="2" creationId="{BECBB24A-FD33-C235-5A8A-278B4ADF898C}"/>
+          </ac:spMkLst>
+        </pc:spChg>
+        <pc:picChg chg="mod">
+          <ac:chgData name="Maher Alqarra" userId="81703c0c110a5f03" providerId="LiveId" clId="{9D3084B4-3CA2-418A-BD17-12D18752C5BA}" dt="2024-03-06T14:41:51.242" v="46" actId="14100"/>
+          <ac:picMkLst>
+            <pc:docMk/>
+            <pc:sldMk cId="2270454260" sldId="262"/>
+            <ac:picMk id="6" creationId="{86D6DC88-F991-DFAB-221F-323E26BB9982}"/>
+          </ac:picMkLst>
+        </pc:picChg>
+      </pc:sldChg>
+      <pc:sldChg chg="addSp modSp mod">
+        <pc:chgData name="Maher Alqarra" userId="81703c0c110a5f03" providerId="LiveId" clId="{9D3084B4-3CA2-418A-BD17-12D18752C5BA}" dt="2024-03-06T15:07:47.991" v="257" actId="207"/>
+        <pc:sldMkLst>
+          <pc:docMk/>
+          <pc:sldMk cId="663125857" sldId="264"/>
+        </pc:sldMkLst>
+        <pc:spChg chg="add mod">
+          <ac:chgData name="Maher Alqarra" userId="81703c0c110a5f03" providerId="LiveId" clId="{9D3084B4-3CA2-418A-BD17-12D18752C5BA}" dt="2024-03-06T14:54:22.753" v="116" actId="5793"/>
+          <ac:spMkLst>
+            <pc:docMk/>
+            <pc:sldMk cId="663125857" sldId="264"/>
+            <ac:spMk id="2" creationId="{4E3B6310-C263-82D3-3175-41C4EF0699A6}"/>
+          </ac:spMkLst>
+        </pc:spChg>
+        <pc:spChg chg="add mod">
+          <ac:chgData name="Maher Alqarra" userId="81703c0c110a5f03" providerId="LiveId" clId="{9D3084B4-3CA2-418A-BD17-12D18752C5BA}" dt="2024-03-06T15:06:31.970" v="250" actId="14100"/>
+          <ac:spMkLst>
+            <pc:docMk/>
+            <pc:sldMk cId="663125857" sldId="264"/>
+            <ac:spMk id="5" creationId="{AB69F8AB-E299-81B4-335D-94B5375AB66B}"/>
+          </ac:spMkLst>
+        </pc:spChg>
+        <pc:graphicFrameChg chg="add mod modGraphic">
+          <ac:chgData name="Maher Alqarra" userId="81703c0c110a5f03" providerId="LiveId" clId="{9D3084B4-3CA2-418A-BD17-12D18752C5BA}" dt="2024-03-06T15:07:47.991" v="257" actId="207"/>
+          <ac:graphicFrameMkLst>
+            <pc:docMk/>
+            <pc:sldMk cId="663125857" sldId="264"/>
+            <ac:graphicFrameMk id="4" creationId="{623B552B-49E2-8BEA-DA0D-0D4A12F8A319}"/>
+          </ac:graphicFrameMkLst>
+        </pc:graphicFrameChg>
+        <pc:picChg chg="mod">
+          <ac:chgData name="Maher Alqarra" userId="81703c0c110a5f03" providerId="LiveId" clId="{9D3084B4-3CA2-418A-BD17-12D18752C5BA}" dt="2024-03-06T14:43:21.151" v="77" actId="1036"/>
+          <ac:picMkLst>
+            <pc:docMk/>
+            <pc:sldMk cId="663125857" sldId="264"/>
+            <ac:picMk id="3" creationId="{2719E908-FA49-0562-62E3-F94B8836B187}"/>
+          </ac:picMkLst>
+        </pc:picChg>
+      </pc:sldChg>
+      <pc:sldChg chg="modSp mod">
+        <pc:chgData name="Maher Alqarra" userId="81703c0c110a5f03" providerId="LiveId" clId="{9D3084B4-3CA2-418A-BD17-12D18752C5BA}" dt="2024-03-06T14:42:28.160" v="51" actId="14100"/>
+        <pc:sldMkLst>
+          <pc:docMk/>
+          <pc:sldMk cId="1496602039" sldId="265"/>
+        </pc:sldMkLst>
+        <pc:spChg chg="mod">
+          <ac:chgData name="Maher Alqarra" userId="81703c0c110a5f03" providerId="LiveId" clId="{9D3084B4-3CA2-418A-BD17-12D18752C5BA}" dt="2024-03-06T14:42:15.239" v="49" actId="12"/>
+          <ac:spMkLst>
+            <pc:docMk/>
+            <pc:sldMk cId="1496602039" sldId="265"/>
+            <ac:spMk id="2" creationId="{8647FDB9-758A-42C7-C63F-498168877C40}"/>
+          </ac:spMkLst>
+        </pc:spChg>
+        <pc:picChg chg="mod">
+          <ac:chgData name="Maher Alqarra" userId="81703c0c110a5f03" providerId="LiveId" clId="{9D3084B4-3CA2-418A-BD17-12D18752C5BA}" dt="2024-03-06T14:42:28.160" v="51" actId="14100"/>
+          <ac:picMkLst>
+            <pc:docMk/>
+            <pc:sldMk cId="1496602039" sldId="265"/>
+            <ac:picMk id="7" creationId="{35D0A151-A821-D4B3-7AD0-614EF687F155}"/>
+          </ac:picMkLst>
+        </pc:picChg>
+      </pc:sldChg>
+      <pc:sldChg chg="modSp mod">
+        <pc:chgData name="Maher Alqarra" userId="81703c0c110a5f03" providerId="LiveId" clId="{9D3084B4-3CA2-418A-BD17-12D18752C5BA}" dt="2024-03-06T14:39:01.098" v="25" actId="20577"/>
+        <pc:sldMkLst>
+          <pc:docMk/>
+          <pc:sldMk cId="2978791653" sldId="267"/>
+        </pc:sldMkLst>
+        <pc:spChg chg="mod">
+          <ac:chgData name="Maher Alqarra" userId="81703c0c110a5f03" providerId="LiveId" clId="{9D3084B4-3CA2-418A-BD17-12D18752C5BA}" dt="2024-03-06T14:39:01.098" v="25" actId="20577"/>
+          <ac:spMkLst>
+            <pc:docMk/>
+            <pc:sldMk cId="2978791653" sldId="267"/>
+            <ac:spMk id="2" creationId="{5C99909C-402E-2366-10EF-772B3BAACD87}"/>
+          </ac:spMkLst>
+        </pc:spChg>
+        <pc:graphicFrameChg chg="mod modGraphic">
+          <ac:chgData name="Maher Alqarra" userId="81703c0c110a5f03" providerId="LiveId" clId="{9D3084B4-3CA2-418A-BD17-12D18752C5BA}" dt="2024-03-06T14:38:49.023" v="23" actId="14734"/>
+          <ac:graphicFrameMkLst>
+            <pc:docMk/>
+            <pc:sldMk cId="2978791653" sldId="267"/>
+            <ac:graphicFrameMk id="4" creationId="{14BDF8D7-84DC-3856-E52E-AF03DE5425BD}"/>
+          </ac:graphicFrameMkLst>
+        </pc:graphicFrameChg>
+      </pc:sldChg>
+      <pc:sldChg chg="delSp modSp add mod">
+        <pc:chgData name="Maher Alqarra" userId="81703c0c110a5f03" providerId="LiveId" clId="{9D3084B4-3CA2-418A-BD17-12D18752C5BA}" dt="2024-03-06T15:15:53.839" v="292" actId="20577"/>
+        <pc:sldMkLst>
+          <pc:docMk/>
+          <pc:sldMk cId="723903424" sldId="268"/>
+        </pc:sldMkLst>
+        <pc:spChg chg="mod">
+          <ac:chgData name="Maher Alqarra" userId="81703c0c110a5f03" providerId="LiveId" clId="{9D3084B4-3CA2-418A-BD17-12D18752C5BA}" dt="2024-03-06T15:15:53.839" v="292" actId="20577"/>
+          <ac:spMkLst>
+            <pc:docMk/>
+            <pc:sldMk cId="723903424" sldId="268"/>
+            <ac:spMk id="2" creationId="{0F9061C5-518C-EB8A-A5D8-03242A858753}"/>
+          </ac:spMkLst>
+        </pc:spChg>
+        <pc:picChg chg="del">
+          <ac:chgData name="Maher Alqarra" userId="81703c0c110a5f03" providerId="LiveId" clId="{9D3084B4-3CA2-418A-BD17-12D18752C5BA}" dt="2024-03-06T15:13:15.429" v="259" actId="478"/>
+          <ac:picMkLst>
+            <pc:docMk/>
+            <pc:sldMk cId="723903424" sldId="268"/>
+            <ac:picMk id="5" creationId="{80D8D572-3D34-3FB9-CFD6-5296409D2F40}"/>
+          </ac:picMkLst>
+        </pc:picChg>
+      </pc:sldChg>
+    </pc:docChg>
+  </pc:docChgLst>
+  <pc:docChgLst>
     <pc:chgData name="Maher Alqarra" userId="81703c0c110a5f03" providerId="LiveId" clId="{4218F5BA-EA75-4D82-91C3-455DDEAB21B2}"/>
     <pc:docChg chg="undo custSel addSld delSld modSld sldOrd">
       <pc:chgData name="Maher Alqarra" userId="81703c0c110a5f03" providerId="LiveId" clId="{4218F5BA-EA75-4D82-91C3-455DDEAB21B2}" dt="2024-04-24T13:32:05.459" v="757"/>
@@ -772,229 +995,6 @@
             <pc:docMk/>
             <pc:sldMk cId="2217762016" sldId="269"/>
             <ac:picMk id="5" creationId="{BC4A8EBF-FBCE-4CD0-174F-9D412600E332}"/>
-          </ac:picMkLst>
-        </pc:picChg>
-      </pc:sldChg>
-    </pc:docChg>
-  </pc:docChgLst>
-  <pc:docChgLst>
-    <pc:chgData name="Maher Alqarra" userId="81703c0c110a5f03" providerId="LiveId" clId="{9D3084B4-3CA2-418A-BD17-12D18752C5BA}"/>
-    <pc:docChg chg="undo custSel addSld modSld">
-      <pc:chgData name="Maher Alqarra" userId="81703c0c110a5f03" providerId="LiveId" clId="{9D3084B4-3CA2-418A-BD17-12D18752C5BA}" dt="2024-03-06T15:15:53.839" v="292" actId="20577"/>
-      <pc:docMkLst>
-        <pc:docMk/>
-      </pc:docMkLst>
-      <pc:sldChg chg="modSp mod">
-        <pc:chgData name="Maher Alqarra" userId="81703c0c110a5f03" providerId="LiveId" clId="{9D3084B4-3CA2-418A-BD17-12D18752C5BA}" dt="2024-03-06T14:39:47.515" v="30" actId="12"/>
-        <pc:sldMkLst>
-          <pc:docMk/>
-          <pc:sldMk cId="742347494" sldId="256"/>
-        </pc:sldMkLst>
-        <pc:spChg chg="mod">
-          <ac:chgData name="Maher Alqarra" userId="81703c0c110a5f03" providerId="LiveId" clId="{9D3084B4-3CA2-418A-BD17-12D18752C5BA}" dt="2024-03-06T14:39:47.515" v="30" actId="12"/>
-          <ac:spMkLst>
-            <pc:docMk/>
-            <pc:sldMk cId="742347494" sldId="256"/>
-            <ac:spMk id="2" creationId="{BE9EC313-838A-BAFA-AFAD-BF8E05A1C879}"/>
-          </ac:spMkLst>
-        </pc:spChg>
-      </pc:sldChg>
-      <pc:sldChg chg="modSp mod">
-        <pc:chgData name="Maher Alqarra" userId="81703c0c110a5f03" providerId="LiveId" clId="{9D3084B4-3CA2-418A-BD17-12D18752C5BA}" dt="2024-03-06T14:40:20.100" v="35" actId="12"/>
-        <pc:sldMkLst>
-          <pc:docMk/>
-          <pc:sldMk cId="3098824939" sldId="257"/>
-        </pc:sldMkLst>
-        <pc:spChg chg="mod">
-          <ac:chgData name="Maher Alqarra" userId="81703c0c110a5f03" providerId="LiveId" clId="{9D3084B4-3CA2-418A-BD17-12D18752C5BA}" dt="2024-03-06T14:40:20.100" v="35" actId="12"/>
-          <ac:spMkLst>
-            <pc:docMk/>
-            <pc:sldMk cId="3098824939" sldId="257"/>
-            <ac:spMk id="4" creationId="{832A307A-1BC8-D6DE-1059-37869E398E3C}"/>
-          </ac:spMkLst>
-        </pc:spChg>
-      </pc:sldChg>
-      <pc:sldChg chg="modSp mod">
-        <pc:chgData name="Maher Alqarra" userId="81703c0c110a5f03" providerId="LiveId" clId="{9D3084B4-3CA2-418A-BD17-12D18752C5BA}" dt="2024-03-06T14:40:07.232" v="33" actId="1076"/>
-        <pc:sldMkLst>
-          <pc:docMk/>
-          <pc:sldMk cId="2502954960" sldId="258"/>
-        </pc:sldMkLst>
-        <pc:picChg chg="mod">
-          <ac:chgData name="Maher Alqarra" userId="81703c0c110a5f03" providerId="LiveId" clId="{9D3084B4-3CA2-418A-BD17-12D18752C5BA}" dt="2024-03-06T14:40:07.232" v="33" actId="1076"/>
-          <ac:picMkLst>
-            <pc:docMk/>
-            <pc:sldMk cId="2502954960" sldId="258"/>
-            <ac:picMk id="6" creationId="{FA22D336-1461-2DA7-0A08-88245F2145AB}"/>
-          </ac:picMkLst>
-        </pc:picChg>
-      </pc:sldChg>
-      <pc:sldChg chg="modSp mod">
-        <pc:chgData name="Maher Alqarra" userId="81703c0c110a5f03" providerId="LiveId" clId="{9D3084B4-3CA2-418A-BD17-12D18752C5BA}" dt="2024-03-06T14:40:50.496" v="39" actId="403"/>
-        <pc:sldMkLst>
-          <pc:docMk/>
-          <pc:sldMk cId="4064793766" sldId="259"/>
-        </pc:sldMkLst>
-        <pc:spChg chg="mod">
-          <ac:chgData name="Maher Alqarra" userId="81703c0c110a5f03" providerId="LiveId" clId="{9D3084B4-3CA2-418A-BD17-12D18752C5BA}" dt="2024-03-06T14:40:50.496" v="39" actId="403"/>
-          <ac:spMkLst>
-            <pc:docMk/>
-            <pc:sldMk cId="4064793766" sldId="259"/>
-            <ac:spMk id="2" creationId="{CE082283-1CAA-CA64-1B05-E8ABE2E2CCAE}"/>
-          </ac:spMkLst>
-        </pc:spChg>
-      </pc:sldChg>
-      <pc:sldChg chg="modSp mod">
-        <pc:chgData name="Maher Alqarra" userId="81703c0c110a5f03" providerId="LiveId" clId="{9D3084B4-3CA2-418A-BD17-12D18752C5BA}" dt="2024-03-06T14:40:42.368" v="37" actId="1076"/>
-        <pc:sldMkLst>
-          <pc:docMk/>
-          <pc:sldMk cId="4091885840" sldId="260"/>
-        </pc:sldMkLst>
-        <pc:spChg chg="mod">
-          <ac:chgData name="Maher Alqarra" userId="81703c0c110a5f03" providerId="LiveId" clId="{9D3084B4-3CA2-418A-BD17-12D18752C5BA}" dt="2024-03-06T14:40:39.785" v="36" actId="12"/>
-          <ac:spMkLst>
-            <pc:docMk/>
-            <pc:sldMk cId="4091885840" sldId="260"/>
-            <ac:spMk id="2" creationId="{9352414A-F6BE-790E-856E-38F1690CF0A0}"/>
-          </ac:spMkLst>
-        </pc:spChg>
-        <pc:picChg chg="mod">
-          <ac:chgData name="Maher Alqarra" userId="81703c0c110a5f03" providerId="LiveId" clId="{9D3084B4-3CA2-418A-BD17-12D18752C5BA}" dt="2024-03-06T14:40:42.368" v="37" actId="1076"/>
-          <ac:picMkLst>
-            <pc:docMk/>
-            <pc:sldMk cId="4091885840" sldId="260"/>
-            <ac:picMk id="5" creationId="{C0B07E4A-150C-ACE5-2A00-E718C7AAB292}"/>
-          </ac:picMkLst>
-        </pc:picChg>
-      </pc:sldChg>
-      <pc:sldChg chg="modSp mod">
-        <pc:chgData name="Maher Alqarra" userId="81703c0c110a5f03" providerId="LiveId" clId="{9D3084B4-3CA2-418A-BD17-12D18752C5BA}" dt="2024-03-06T14:41:51.242" v="46" actId="14100"/>
-        <pc:sldMkLst>
-          <pc:docMk/>
-          <pc:sldMk cId="2270454260" sldId="262"/>
-        </pc:sldMkLst>
-        <pc:spChg chg="mod">
-          <ac:chgData name="Maher Alqarra" userId="81703c0c110a5f03" providerId="LiveId" clId="{9D3084B4-3CA2-418A-BD17-12D18752C5BA}" dt="2024-03-06T14:41:47.516" v="45" actId="1076"/>
-          <ac:spMkLst>
-            <pc:docMk/>
-            <pc:sldMk cId="2270454260" sldId="262"/>
-            <ac:spMk id="2" creationId="{BECBB24A-FD33-C235-5A8A-278B4ADF898C}"/>
-          </ac:spMkLst>
-        </pc:spChg>
-        <pc:picChg chg="mod">
-          <ac:chgData name="Maher Alqarra" userId="81703c0c110a5f03" providerId="LiveId" clId="{9D3084B4-3CA2-418A-BD17-12D18752C5BA}" dt="2024-03-06T14:41:51.242" v="46" actId="14100"/>
-          <ac:picMkLst>
-            <pc:docMk/>
-            <pc:sldMk cId="2270454260" sldId="262"/>
-            <ac:picMk id="6" creationId="{86D6DC88-F991-DFAB-221F-323E26BB9982}"/>
-          </ac:picMkLst>
-        </pc:picChg>
-      </pc:sldChg>
-      <pc:sldChg chg="addSp modSp mod">
-        <pc:chgData name="Maher Alqarra" userId="81703c0c110a5f03" providerId="LiveId" clId="{9D3084B4-3CA2-418A-BD17-12D18752C5BA}" dt="2024-03-06T15:07:47.991" v="257" actId="207"/>
-        <pc:sldMkLst>
-          <pc:docMk/>
-          <pc:sldMk cId="663125857" sldId="264"/>
-        </pc:sldMkLst>
-        <pc:spChg chg="add mod">
-          <ac:chgData name="Maher Alqarra" userId="81703c0c110a5f03" providerId="LiveId" clId="{9D3084B4-3CA2-418A-BD17-12D18752C5BA}" dt="2024-03-06T14:54:22.753" v="116" actId="5793"/>
-          <ac:spMkLst>
-            <pc:docMk/>
-            <pc:sldMk cId="663125857" sldId="264"/>
-            <ac:spMk id="2" creationId="{4E3B6310-C263-82D3-3175-41C4EF0699A6}"/>
-          </ac:spMkLst>
-        </pc:spChg>
-        <pc:spChg chg="add mod">
-          <ac:chgData name="Maher Alqarra" userId="81703c0c110a5f03" providerId="LiveId" clId="{9D3084B4-3CA2-418A-BD17-12D18752C5BA}" dt="2024-03-06T15:06:31.970" v="250" actId="14100"/>
-          <ac:spMkLst>
-            <pc:docMk/>
-            <pc:sldMk cId="663125857" sldId="264"/>
-            <ac:spMk id="5" creationId="{AB69F8AB-E299-81B4-335D-94B5375AB66B}"/>
-          </ac:spMkLst>
-        </pc:spChg>
-        <pc:graphicFrameChg chg="add mod modGraphic">
-          <ac:chgData name="Maher Alqarra" userId="81703c0c110a5f03" providerId="LiveId" clId="{9D3084B4-3CA2-418A-BD17-12D18752C5BA}" dt="2024-03-06T15:07:47.991" v="257" actId="207"/>
-          <ac:graphicFrameMkLst>
-            <pc:docMk/>
-            <pc:sldMk cId="663125857" sldId="264"/>
-            <ac:graphicFrameMk id="4" creationId="{623B552B-49E2-8BEA-DA0D-0D4A12F8A319}"/>
-          </ac:graphicFrameMkLst>
-        </pc:graphicFrameChg>
-        <pc:picChg chg="mod">
-          <ac:chgData name="Maher Alqarra" userId="81703c0c110a5f03" providerId="LiveId" clId="{9D3084B4-3CA2-418A-BD17-12D18752C5BA}" dt="2024-03-06T14:43:21.151" v="77" actId="1036"/>
-          <ac:picMkLst>
-            <pc:docMk/>
-            <pc:sldMk cId="663125857" sldId="264"/>
-            <ac:picMk id="3" creationId="{2719E908-FA49-0562-62E3-F94B8836B187}"/>
-          </ac:picMkLst>
-        </pc:picChg>
-      </pc:sldChg>
-      <pc:sldChg chg="modSp mod">
-        <pc:chgData name="Maher Alqarra" userId="81703c0c110a5f03" providerId="LiveId" clId="{9D3084B4-3CA2-418A-BD17-12D18752C5BA}" dt="2024-03-06T14:42:28.160" v="51" actId="14100"/>
-        <pc:sldMkLst>
-          <pc:docMk/>
-          <pc:sldMk cId="1496602039" sldId="265"/>
-        </pc:sldMkLst>
-        <pc:spChg chg="mod">
-          <ac:chgData name="Maher Alqarra" userId="81703c0c110a5f03" providerId="LiveId" clId="{9D3084B4-3CA2-418A-BD17-12D18752C5BA}" dt="2024-03-06T14:42:15.239" v="49" actId="12"/>
-          <ac:spMkLst>
-            <pc:docMk/>
-            <pc:sldMk cId="1496602039" sldId="265"/>
-            <ac:spMk id="2" creationId="{8647FDB9-758A-42C7-C63F-498168877C40}"/>
-          </ac:spMkLst>
-        </pc:spChg>
-        <pc:picChg chg="mod">
-          <ac:chgData name="Maher Alqarra" userId="81703c0c110a5f03" providerId="LiveId" clId="{9D3084B4-3CA2-418A-BD17-12D18752C5BA}" dt="2024-03-06T14:42:28.160" v="51" actId="14100"/>
-          <ac:picMkLst>
-            <pc:docMk/>
-            <pc:sldMk cId="1496602039" sldId="265"/>
-            <ac:picMk id="7" creationId="{35D0A151-A821-D4B3-7AD0-614EF687F155}"/>
-          </ac:picMkLst>
-        </pc:picChg>
-      </pc:sldChg>
-      <pc:sldChg chg="modSp mod">
-        <pc:chgData name="Maher Alqarra" userId="81703c0c110a5f03" providerId="LiveId" clId="{9D3084B4-3CA2-418A-BD17-12D18752C5BA}" dt="2024-03-06T14:39:01.098" v="25" actId="20577"/>
-        <pc:sldMkLst>
-          <pc:docMk/>
-          <pc:sldMk cId="2978791653" sldId="267"/>
-        </pc:sldMkLst>
-        <pc:spChg chg="mod">
-          <ac:chgData name="Maher Alqarra" userId="81703c0c110a5f03" providerId="LiveId" clId="{9D3084B4-3CA2-418A-BD17-12D18752C5BA}" dt="2024-03-06T14:39:01.098" v="25" actId="20577"/>
-          <ac:spMkLst>
-            <pc:docMk/>
-            <pc:sldMk cId="2978791653" sldId="267"/>
-            <ac:spMk id="2" creationId="{5C99909C-402E-2366-10EF-772B3BAACD87}"/>
-          </ac:spMkLst>
-        </pc:spChg>
-        <pc:graphicFrameChg chg="mod modGraphic">
-          <ac:chgData name="Maher Alqarra" userId="81703c0c110a5f03" providerId="LiveId" clId="{9D3084B4-3CA2-418A-BD17-12D18752C5BA}" dt="2024-03-06T14:38:49.023" v="23" actId="14734"/>
-          <ac:graphicFrameMkLst>
-            <pc:docMk/>
-            <pc:sldMk cId="2978791653" sldId="267"/>
-            <ac:graphicFrameMk id="4" creationId="{14BDF8D7-84DC-3856-E52E-AF03DE5425BD}"/>
-          </ac:graphicFrameMkLst>
-        </pc:graphicFrameChg>
-      </pc:sldChg>
-      <pc:sldChg chg="delSp modSp add mod">
-        <pc:chgData name="Maher Alqarra" userId="81703c0c110a5f03" providerId="LiveId" clId="{9D3084B4-3CA2-418A-BD17-12D18752C5BA}" dt="2024-03-06T15:15:53.839" v="292" actId="20577"/>
-        <pc:sldMkLst>
-          <pc:docMk/>
-          <pc:sldMk cId="723903424" sldId="268"/>
-        </pc:sldMkLst>
-        <pc:spChg chg="mod">
-          <ac:chgData name="Maher Alqarra" userId="81703c0c110a5f03" providerId="LiveId" clId="{9D3084B4-3CA2-418A-BD17-12D18752C5BA}" dt="2024-03-06T15:15:53.839" v="292" actId="20577"/>
-          <ac:spMkLst>
-            <pc:docMk/>
-            <pc:sldMk cId="723903424" sldId="268"/>
-            <ac:spMk id="2" creationId="{0F9061C5-518C-EB8A-A5D8-03242A858753}"/>
-          </ac:spMkLst>
-        </pc:spChg>
-        <pc:picChg chg="del">
-          <ac:chgData name="Maher Alqarra" userId="81703c0c110a5f03" providerId="LiveId" clId="{9D3084B4-3CA2-418A-BD17-12D18752C5BA}" dt="2024-03-06T15:13:15.429" v="259" actId="478"/>
-          <ac:picMkLst>
-            <pc:docMk/>
-            <pc:sldMk cId="723903424" sldId="268"/>
-            <ac:picMk id="5" creationId="{80D8D572-3D34-3FB9-CFD6-5296409D2F40}"/>
           </ac:picMkLst>
         </pc:picChg>
       </pc:sldChg>
@@ -1471,7 +1471,7 @@
           <a:p>
             <a:fld id="{73CF6219-E6C4-487B-954F-836E2430B630}" type="datetimeFigureOut">
               <a:rPr lang="en-US" smtClean="0"/>
-              <a:t>4/24/2024</a:t>
+              <a:t>4/24/24</a:t>
             </a:fld>
             <a:endParaRPr lang="en-US"/>
           </a:p>
@@ -1669,7 +1669,7 @@
           <a:p>
             <a:fld id="{73CF6219-E6C4-487B-954F-836E2430B630}" type="datetimeFigureOut">
               <a:rPr lang="en-US" smtClean="0"/>
-              <a:t>4/24/2024</a:t>
+              <a:t>4/24/24</a:t>
             </a:fld>
             <a:endParaRPr lang="en-US"/>
           </a:p>
@@ -1877,7 +1877,7 @@
           <a:p>
             <a:fld id="{73CF6219-E6C4-487B-954F-836E2430B630}" type="datetimeFigureOut">
               <a:rPr lang="en-US" smtClean="0"/>
-              <a:t>4/24/2024</a:t>
+              <a:t>4/24/24</a:t>
             </a:fld>
             <a:endParaRPr lang="en-US"/>
           </a:p>
@@ -2075,7 +2075,7 @@
           <a:p>
             <a:fld id="{73CF6219-E6C4-487B-954F-836E2430B630}" type="datetimeFigureOut">
               <a:rPr lang="en-US" smtClean="0"/>
-              <a:t>4/24/2024</a:t>
+              <a:t>4/24/24</a:t>
             </a:fld>
             <a:endParaRPr lang="en-US"/>
           </a:p>
@@ -2350,7 +2350,7 @@
           <a:p>
             <a:fld id="{73CF6219-E6C4-487B-954F-836E2430B630}" type="datetimeFigureOut">
               <a:rPr lang="en-US" smtClean="0"/>
-              <a:t>4/24/2024</a:t>
+              <a:t>4/24/24</a:t>
             </a:fld>
             <a:endParaRPr lang="en-US"/>
           </a:p>
@@ -2615,7 +2615,7 @@
           <a:p>
             <a:fld id="{73CF6219-E6C4-487B-954F-836E2430B630}" type="datetimeFigureOut">
               <a:rPr lang="en-US" smtClean="0"/>
-              <a:t>4/24/2024</a:t>
+              <a:t>4/24/24</a:t>
             </a:fld>
             <a:endParaRPr lang="en-US"/>
           </a:p>
@@ -3027,7 +3027,7 @@
           <a:p>
             <a:fld id="{73CF6219-E6C4-487B-954F-836E2430B630}" type="datetimeFigureOut">
               <a:rPr lang="en-US" smtClean="0"/>
-              <a:t>4/24/2024</a:t>
+              <a:t>4/24/24</a:t>
             </a:fld>
             <a:endParaRPr lang="en-US"/>
           </a:p>
@@ -3168,7 +3168,7 @@
           <a:p>
             <a:fld id="{73CF6219-E6C4-487B-954F-836E2430B630}" type="datetimeFigureOut">
               <a:rPr lang="en-US" smtClean="0"/>
-              <a:t>4/24/2024</a:t>
+              <a:t>4/24/24</a:t>
             </a:fld>
             <a:endParaRPr lang="en-US"/>
           </a:p>
@@ -3281,7 +3281,7 @@
           <a:p>
             <a:fld id="{73CF6219-E6C4-487B-954F-836E2430B630}" type="datetimeFigureOut">
               <a:rPr lang="en-US" smtClean="0"/>
-              <a:t>4/24/2024</a:t>
+              <a:t>4/24/24</a:t>
             </a:fld>
             <a:endParaRPr lang="en-US"/>
           </a:p>
@@ -3592,7 +3592,7 @@
           <a:p>
             <a:fld id="{73CF6219-E6C4-487B-954F-836E2430B630}" type="datetimeFigureOut">
               <a:rPr lang="en-US" smtClean="0"/>
-              <a:t>4/24/2024</a:t>
+              <a:t>4/24/24</a:t>
             </a:fld>
             <a:endParaRPr lang="en-US"/>
           </a:p>
@@ -3880,7 +3880,7 @@
           <a:p>
             <a:fld id="{73CF6219-E6C4-487B-954F-836E2430B630}" type="datetimeFigureOut">
               <a:rPr lang="en-US" smtClean="0"/>
-              <a:t>4/24/2024</a:t>
+              <a:t>4/24/24</a:t>
             </a:fld>
             <a:endParaRPr lang="en-US"/>
           </a:p>
@@ -4121,7 +4121,7 @@
           <a:p>
             <a:fld id="{73CF6219-E6C4-487B-954F-836E2430B630}" type="datetimeFigureOut">
               <a:rPr lang="en-US" smtClean="0"/>
-              <a:t>4/24/2024</a:t>
+              <a:t>4/24/24</a:t>
             </a:fld>
             <a:endParaRPr lang="en-US"/>
           </a:p>
@@ -4881,7 +4881,7 @@
           <p:nvPr>
             <p:extLst>
               <p:ext uri="{D42A27DB-BD31-4B8C-83A1-F6EECF244321}">
-                <p14:modId xmlns:p14="http://schemas.microsoft.com/office/powerpoint/2010/main" val="3792233518"/>
+                <p14:modId xmlns:p14="http://schemas.microsoft.com/office/powerpoint/2010/main" val="1985692261"/>
               </p:ext>
             </p:extLst>
           </p:nvPr>
@@ -5034,22 +5034,13 @@
                         <a:defRPr/>
                       </a:pPr>
                       <a:r>
-                        <a:rPr lang="en-US" sz="1800" b="0" kern="1200" dirty="0" err="1">
-                          <a:solidFill>
-                            <a:schemeClr val="bg1"/>
-                          </a:solidFill>
-                          <a:effectLst/>
-                        </a:rPr>
-                        <a:t>Jash</a:t>
-                      </a:r>
-                      <a:r>
                         <a:rPr lang="en-US" sz="1800" b="0" kern="1200" dirty="0">
                           <a:solidFill>
                             <a:schemeClr val="bg1"/>
                           </a:solidFill>
                           <a:effectLst/>
                         </a:rPr>
-                        <a:t> Bikash</a:t>
+                        <a:t>Jash Bikash</a:t>
                       </a:r>
                       <a:endParaRPr lang="en-US" b="0" dirty="0">
                         <a:solidFill>
@@ -8851,7 +8842,7 @@
                   </a:schemeClr>
                 </a:solidFill>
               </a:rPr>
-              <a:t>Reviewing AI Applications in Financial Failure Prediction</a:t>
+              <a:t>Reviewing AI applications in financial failure prediction</a:t>
             </a:r>
           </a:p>
           <a:p>
@@ -8871,7 +8862,7 @@
                   </a:schemeClr>
                 </a:solidFill>
               </a:rPr>
-              <a:t>Testing Accuracy of Proposed Model</a:t>
+              <a:t>Testing accuracy of proposed model</a:t>
             </a:r>
           </a:p>
           <a:p>
@@ -8891,7 +8882,7 @@
                   </a:schemeClr>
                 </a:solidFill>
               </a:rPr>
-              <a:t>Identifying Optimal Financial Indicators Combination</a:t>
+              <a:t>Identifying optimal financial indicators combination</a:t>
             </a:r>
           </a:p>
           <a:p>
@@ -8903,7 +8894,7 @@
               <a:buChar char="Ø"/>
             </a:pPr>
             <a:r>
-              <a:rPr lang="en-US" sz="2800" dirty="0">
+              <a:rPr lang="en-US" sz="2800">
                 <a:solidFill>
                   <a:schemeClr val="accent5">
                     <a:lumMod val="20000"/>
@@ -8911,7 +8902,7 @@
                   </a:schemeClr>
                 </a:solidFill>
               </a:rPr>
-              <a:t>Providing Recommendations for Mitigating Financial Failure</a:t>
+              <a:t>Providing recommendations for mitigating financial failure</a:t>
             </a:r>
             <a:endParaRPr lang="en-US" dirty="0">
               <a:solidFill>
